--- a/Figs/figs.pptx
+++ b/Figs/figs.pptx
@@ -5,16 +5,17 @@
     <p:sldMasterId id="2147483659" r:id="rId1"/>
   </p:sldMasterIdLst>
   <p:notesMasterIdLst>
-    <p:notesMasterId r:id="rId9"/>
+    <p:notesMasterId r:id="rId10"/>
   </p:notesMasterIdLst>
   <p:sldIdLst>
     <p:sldId id="276" r:id="rId2"/>
-    <p:sldId id="277" r:id="rId3"/>
-    <p:sldId id="275" r:id="rId4"/>
-    <p:sldId id="278" r:id="rId5"/>
-    <p:sldId id="279" r:id="rId6"/>
-    <p:sldId id="280" r:id="rId7"/>
-    <p:sldId id="281" r:id="rId8"/>
+    <p:sldId id="282" r:id="rId3"/>
+    <p:sldId id="277" r:id="rId4"/>
+    <p:sldId id="275" r:id="rId5"/>
+    <p:sldId id="278" r:id="rId6"/>
+    <p:sldId id="279" r:id="rId7"/>
+    <p:sldId id="280" r:id="rId8"/>
+    <p:sldId id="281" r:id="rId9"/>
   </p:sldIdLst>
   <p:sldSz cx="9144000" cy="6858000" type="screen4x3"/>
   <p:notesSz cx="6858000" cy="9144000"/>
@@ -612,6 +613,72 @@
     </p:spTree>
     <p:extLst>
       <p:ext uri="{BB962C8B-B14F-4D97-AF65-F5344CB8AC3E}">
+        <p14:creationId xmlns:p14="http://schemas.microsoft.com/office/powerpoint/2010/main" val="1587070708"/>
+      </p:ext>
+    </p:extLst>
+  </p:cSld>
+  <p:clrMapOvr>
+    <a:masterClrMapping/>
+  </p:clrMapOvr>
+</p:notes>
+</file>
+
+<file path=ppt/notesSlides/notesSlide3.xml><?xml version="1.0" encoding="utf-8"?>
+<p:notes xmlns:a="http://schemas.openxmlformats.org/drawingml/2006/main" xmlns:r="http://schemas.openxmlformats.org/officeDocument/2006/relationships" xmlns:p="http://schemas.openxmlformats.org/presentationml/2006/main">
+  <p:cSld>
+    <p:spTree>
+      <p:nvGrpSpPr>
+        <p:cNvPr id="1" name=""/>
+        <p:cNvGrpSpPr/>
+        <p:nvPr/>
+      </p:nvGrpSpPr>
+      <p:grpSpPr>
+        <a:xfrm>
+          <a:off x="0" y="0"/>
+          <a:ext cx="0" cy="0"/>
+          <a:chOff x="0" y="0"/>
+          <a:chExt cx="0" cy="0"/>
+        </a:xfrm>
+      </p:grpSpPr>
+      <p:sp>
+        <p:nvSpPr>
+          <p:cNvPr id="2" name="スライド イメージ プレースホルダー 1"/>
+          <p:cNvSpPr>
+            <a:spLocks noGrp="1" noRot="1" noChangeAspect="1"/>
+          </p:cNvSpPr>
+          <p:nvPr>
+            <p:ph type="sldImg"/>
+          </p:nvPr>
+        </p:nvSpPr>
+        <p:spPr>
+          <a:xfrm>
+            <a:off x="1143000" y="685800"/>
+            <a:ext cx="4572000" cy="3429000"/>
+          </a:xfrm>
+        </p:spPr>
+      </p:sp>
+      <p:sp>
+        <p:nvSpPr>
+          <p:cNvPr id="3" name="ノート プレースホルダー 2"/>
+          <p:cNvSpPr>
+            <a:spLocks noGrp="1"/>
+          </p:cNvSpPr>
+          <p:nvPr>
+            <p:ph type="body" idx="1"/>
+          </p:nvPr>
+        </p:nvSpPr>
+        <p:spPr/>
+        <p:txBody>
+          <a:bodyPr/>
+          <a:lstStyle/>
+          <a:p>
+            <a:endParaRPr kumimoji="1" lang="ja-JP" altLang="en-US"/>
+          </a:p>
+        </p:txBody>
+      </p:sp>
+    </p:spTree>
+    <p:extLst>
+      <p:ext uri="{BB962C8B-B14F-4D97-AF65-F5344CB8AC3E}">
         <p14:creationId xmlns:p14="http://schemas.microsoft.com/office/powerpoint/2010/main" val="1325028354"/>
       </p:ext>
     </p:extLst>
@@ -622,7 +689,7 @@
 </p:notes>
 </file>
 
-<file path=ppt/notesSlides/notesSlide3.xml><?xml version="1.0" encoding="utf-8"?>
+<file path=ppt/notesSlides/notesSlide4.xml><?xml version="1.0" encoding="utf-8"?>
 <p:notes xmlns:a="http://schemas.openxmlformats.org/drawingml/2006/main" xmlns:r="http://schemas.openxmlformats.org/officeDocument/2006/relationships" xmlns:p="http://schemas.openxmlformats.org/presentationml/2006/main">
   <p:cSld>
     <p:spTree>
@@ -688,7 +755,7 @@
 </p:notes>
 </file>
 
-<file path=ppt/notesSlides/notesSlide4.xml><?xml version="1.0" encoding="utf-8"?>
+<file path=ppt/notesSlides/notesSlide5.xml><?xml version="1.0" encoding="utf-8"?>
 <p:notes xmlns:a="http://schemas.openxmlformats.org/drawingml/2006/main" xmlns:r="http://schemas.openxmlformats.org/officeDocument/2006/relationships" xmlns:p="http://schemas.openxmlformats.org/presentationml/2006/main">
   <p:cSld>
     <p:spTree>
@@ -754,7 +821,7 @@
 </p:notes>
 </file>
 
-<file path=ppt/notesSlides/notesSlide5.xml><?xml version="1.0" encoding="utf-8"?>
+<file path=ppt/notesSlides/notesSlide6.xml><?xml version="1.0" encoding="utf-8"?>
 <p:notes xmlns:a="http://schemas.openxmlformats.org/drawingml/2006/main" xmlns:r="http://schemas.openxmlformats.org/officeDocument/2006/relationships" xmlns:p="http://schemas.openxmlformats.org/presentationml/2006/main">
   <p:cSld>
     <p:spTree>
@@ -4120,31 +4187,7 @@
                     <a:schemeClr val="tx1"/>
                   </a:solidFill>
                 </a:rPr>
-                <a:t>External </a:t>
-              </a:r>
-              <a:r>
-                <a:rPr kumimoji="1" lang="en-US" altLang="ja-JP" sz="1800" dirty="0" smtClean="0">
-                  <a:solidFill>
-                    <a:schemeClr val="tx1"/>
-                  </a:solidFill>
-                </a:rPr>
-                <a:t>Load Balancer </a:t>
-              </a:r>
-              <a:r>
-                <a:rPr kumimoji="1" lang="en-US" altLang="ja-JP" sz="1800" dirty="0" smtClean="0">
-                  <a:solidFill>
-                    <a:schemeClr val="tx1"/>
-                  </a:solidFill>
-                </a:rPr>
-                <a:t>by </a:t>
-              </a:r>
-              <a:r>
-                <a:rPr kumimoji="1" lang="en-US" altLang="ja-JP" sz="1800" dirty="0" smtClean="0">
-                  <a:solidFill>
-                    <a:schemeClr val="tx1"/>
-                  </a:solidFill>
-                </a:rPr>
-                <a:t>Cloud Providers</a:t>
+                <a:t>External Load Balancer by Cloud Providers</a:t>
               </a:r>
               <a:endParaRPr kumimoji="1" lang="ja-JP" altLang="en-US" sz="1800" dirty="0">
                 <a:solidFill>
@@ -6757,6 +6800,3457 @@
 </file>
 
 <file path=ppt/slides/slide2.xml><?xml version="1.0" encoding="utf-8"?>
+<p:sld xmlns:a="http://schemas.openxmlformats.org/drawingml/2006/main" xmlns:r="http://schemas.openxmlformats.org/officeDocument/2006/relationships" xmlns:p="http://schemas.openxmlformats.org/presentationml/2006/main">
+  <p:cSld>
+    <p:spTree>
+      <p:nvGrpSpPr>
+        <p:cNvPr id="1" name=""/>
+        <p:cNvGrpSpPr/>
+        <p:nvPr/>
+      </p:nvGrpSpPr>
+      <p:grpSpPr>
+        <a:xfrm>
+          <a:off x="0" y="0"/>
+          <a:ext cx="0" cy="0"/>
+          <a:chOff x="0" y="0"/>
+          <a:chExt cx="0" cy="0"/>
+        </a:xfrm>
+      </p:grpSpPr>
+      <p:grpSp>
+        <p:nvGrpSpPr>
+          <p:cNvPr id="267" name="図形グループ 266"/>
+          <p:cNvGrpSpPr/>
+          <p:nvPr/>
+        </p:nvGrpSpPr>
+        <p:grpSpPr>
+          <a:xfrm>
+            <a:off x="357495" y="992940"/>
+            <a:ext cx="8367405" cy="5186044"/>
+            <a:chOff x="357495" y="992940"/>
+            <a:chExt cx="8367405" cy="5186044"/>
+          </a:xfrm>
+        </p:grpSpPr>
+        <p:sp>
+          <p:nvSpPr>
+            <p:cNvPr id="41" name="テキスト ボックス 40"/>
+            <p:cNvSpPr txBox="1"/>
+            <p:nvPr/>
+          </p:nvSpPr>
+          <p:spPr>
+            <a:xfrm>
+              <a:off x="5744627" y="4515759"/>
+              <a:ext cx="230832" cy="276999"/>
+            </a:xfrm>
+            <a:prstGeom prst="rect">
+              <a:avLst/>
+            </a:prstGeom>
+            <a:noFill/>
+            <a:ln>
+              <a:noFill/>
+            </a:ln>
+          </p:spPr>
+          <p:txBody>
+            <a:bodyPr wrap="none" lIns="0" tIns="0" rIns="0" bIns="0" rtlCol="0">
+              <a:spAutoFit/>
+            </a:bodyPr>
+            <a:lstStyle/>
+            <a:p>
+              <a:r>
+                <a:rPr kumimoji="1" lang="mr-IN" altLang="ja-JP" sz="1800" b="1" dirty="0" smtClean="0">
+                  <a:latin typeface="+mj-lt"/>
+                  <a:ea typeface="Arial Narrow" charset="0"/>
+                  <a:cs typeface="Arial Narrow" charset="0"/>
+                </a:rPr>
+                <a:t>…</a:t>
+              </a:r>
+              <a:endParaRPr kumimoji="1" lang="ja-JP" altLang="en-US" sz="1800" b="1" dirty="0">
+                <a:latin typeface="+mj-lt"/>
+                <a:ea typeface="Arial Narrow" charset="0"/>
+                <a:cs typeface="Arial Narrow" charset="0"/>
+              </a:endParaRPr>
+            </a:p>
+          </p:txBody>
+        </p:sp>
+        <p:grpSp>
+          <p:nvGrpSpPr>
+            <p:cNvPr id="202" name="図形グループ 201"/>
+            <p:cNvGrpSpPr/>
+            <p:nvPr/>
+          </p:nvGrpSpPr>
+          <p:grpSpPr>
+            <a:xfrm>
+              <a:off x="507914" y="1769519"/>
+              <a:ext cx="2657819" cy="1206877"/>
+              <a:chOff x="596369" y="2312894"/>
+              <a:chExt cx="2657819" cy="1206877"/>
+            </a:xfrm>
+          </p:grpSpPr>
+          <p:sp>
+            <p:nvSpPr>
+              <p:cNvPr id="95" name="正方形/長方形 94"/>
+              <p:cNvSpPr/>
+              <p:nvPr/>
+            </p:nvSpPr>
+            <p:spPr>
+              <a:xfrm>
+                <a:off x="596369" y="2312894"/>
+                <a:ext cx="2657819" cy="1206877"/>
+              </a:xfrm>
+              <a:prstGeom prst="rect">
+                <a:avLst/>
+              </a:prstGeom>
+              <a:solidFill>
+                <a:srgbClr val="80BED7">
+                  <a:alpha val="33000"/>
+                </a:srgbClr>
+              </a:solidFill>
+              <a:ln w="12700">
+                <a:solidFill>
+                  <a:schemeClr val="tx1"/>
+                </a:solidFill>
+              </a:ln>
+            </p:spPr>
+            <p:style>
+              <a:lnRef idx="2">
+                <a:schemeClr val="accent1">
+                  <a:shade val="50000"/>
+                </a:schemeClr>
+              </a:lnRef>
+              <a:fillRef idx="1">
+                <a:schemeClr val="accent1"/>
+              </a:fillRef>
+              <a:effectRef idx="0">
+                <a:schemeClr val="accent1"/>
+              </a:effectRef>
+              <a:fontRef idx="minor">
+                <a:schemeClr val="lt1"/>
+              </a:fontRef>
+            </p:style>
+            <p:txBody>
+              <a:bodyPr rtlCol="0" anchor="ctr"/>
+              <a:lstStyle/>
+              <a:p>
+                <a:pPr algn="ctr"/>
+                <a:endParaRPr kumimoji="1" lang="ja-JP" altLang="en-US" sz="1800"/>
+              </a:p>
+            </p:txBody>
+          </p:sp>
+          <p:sp>
+            <p:nvSpPr>
+              <p:cNvPr id="60" name="テキスト ボックス 59"/>
+              <p:cNvSpPr txBox="1"/>
+              <p:nvPr/>
+            </p:nvSpPr>
+            <p:spPr>
+              <a:xfrm>
+                <a:off x="657241" y="2342772"/>
+                <a:ext cx="578685" cy="276999"/>
+              </a:xfrm>
+              <a:prstGeom prst="rect">
+                <a:avLst/>
+              </a:prstGeom>
+              <a:noFill/>
+              <a:ln>
+                <a:noFill/>
+              </a:ln>
+            </p:spPr>
+            <p:txBody>
+              <a:bodyPr wrap="none" lIns="0" tIns="0" rIns="0" bIns="0" rtlCol="0">
+                <a:spAutoFit/>
+              </a:bodyPr>
+              <a:lstStyle/>
+              <a:p>
+                <a:r>
+                  <a:rPr kumimoji="1" lang="en-US" altLang="ja-JP" sz="1800" dirty="0" smtClean="0">
+                    <a:latin typeface="Arial Narrow" charset="0"/>
+                    <a:ea typeface="Arial Narrow" charset="0"/>
+                    <a:cs typeface="Arial Narrow" charset="0"/>
+                  </a:rPr>
+                  <a:t>Master</a:t>
+                </a:r>
+                <a:endParaRPr kumimoji="1" lang="ja-JP" altLang="en-US" sz="1800" dirty="0">
+                  <a:latin typeface="Arial Narrow" charset="0"/>
+                  <a:ea typeface="Arial Narrow" charset="0"/>
+                  <a:cs typeface="Arial Narrow" charset="0"/>
+                </a:endParaRPr>
+              </a:p>
+            </p:txBody>
+          </p:sp>
+          <p:sp>
+            <p:nvSpPr>
+              <p:cNvPr id="63" name="角丸四角形 62"/>
+              <p:cNvSpPr/>
+              <p:nvPr/>
+            </p:nvSpPr>
+            <p:spPr>
+              <a:xfrm>
+                <a:off x="707529" y="3094787"/>
+                <a:ext cx="576082" cy="306562"/>
+              </a:xfrm>
+              <a:prstGeom prst="roundRect">
+                <a:avLst/>
+              </a:prstGeom>
+              <a:ln w="9525">
+                <a:solidFill>
+                  <a:schemeClr val="tx1"/>
+                </a:solidFill>
+              </a:ln>
+            </p:spPr>
+            <p:style>
+              <a:lnRef idx="2">
+                <a:schemeClr val="accent1">
+                  <a:shade val="50000"/>
+                </a:schemeClr>
+              </a:lnRef>
+              <a:fillRef idx="1">
+                <a:schemeClr val="accent1"/>
+              </a:fillRef>
+              <a:effectRef idx="0">
+                <a:schemeClr val="accent1"/>
+              </a:effectRef>
+              <a:fontRef idx="minor">
+                <a:schemeClr val="lt1"/>
+              </a:fontRef>
+            </p:style>
+            <p:txBody>
+              <a:bodyPr lIns="0" rIns="0" rtlCol="0" anchor="ctr"/>
+              <a:lstStyle/>
+              <a:p>
+                <a:pPr algn="ctr"/>
+                <a:r>
+                  <a:rPr kumimoji="1" lang="en-US" altLang="ja-JP" sz="1800" dirty="0" err="1" smtClean="0">
+                    <a:solidFill>
+                      <a:schemeClr val="tx1"/>
+                    </a:solidFill>
+                    <a:latin typeface="Arial Narrow" charset="0"/>
+                    <a:ea typeface="Arial Narrow" charset="0"/>
+                    <a:cs typeface="Arial Narrow" charset="0"/>
+                  </a:rPr>
+                  <a:t>Etcd</a:t>
+                </a:r>
+                <a:endParaRPr kumimoji="1" lang="ja-JP" altLang="en-US" sz="1800" dirty="0">
+                  <a:solidFill>
+                    <a:schemeClr val="tx1"/>
+                  </a:solidFill>
+                  <a:latin typeface="Arial Narrow" charset="0"/>
+                  <a:ea typeface="Arial Narrow" charset="0"/>
+                  <a:cs typeface="Arial Narrow" charset="0"/>
+                </a:endParaRPr>
+              </a:p>
+            </p:txBody>
+          </p:sp>
+          <p:sp>
+            <p:nvSpPr>
+              <p:cNvPr id="64" name="角丸四角形 63"/>
+              <p:cNvSpPr/>
+              <p:nvPr/>
+            </p:nvSpPr>
+            <p:spPr>
+              <a:xfrm>
+                <a:off x="700264" y="2675143"/>
+                <a:ext cx="949499" cy="306000"/>
+              </a:xfrm>
+              <a:prstGeom prst="roundRect">
+                <a:avLst/>
+              </a:prstGeom>
+              <a:ln w="9525">
+                <a:solidFill>
+                  <a:schemeClr val="tx1"/>
+                </a:solidFill>
+              </a:ln>
+            </p:spPr>
+            <p:style>
+              <a:lnRef idx="2">
+                <a:schemeClr val="accent1">
+                  <a:shade val="50000"/>
+                </a:schemeClr>
+              </a:lnRef>
+              <a:fillRef idx="1">
+                <a:schemeClr val="accent1"/>
+              </a:fillRef>
+              <a:effectRef idx="0">
+                <a:schemeClr val="accent1"/>
+              </a:effectRef>
+              <a:fontRef idx="minor">
+                <a:schemeClr val="lt1"/>
+              </a:fontRef>
+            </p:style>
+            <p:txBody>
+              <a:bodyPr lIns="0" rIns="0" rtlCol="0" anchor="ctr"/>
+              <a:lstStyle/>
+              <a:p>
+                <a:pPr algn="ctr"/>
+                <a:r>
+                  <a:rPr kumimoji="1" lang="en-US" altLang="ja-JP" sz="1800" dirty="0" err="1" smtClean="0">
+                    <a:solidFill>
+                      <a:schemeClr val="tx1"/>
+                    </a:solidFill>
+                    <a:latin typeface="Arial Narrow" charset="0"/>
+                    <a:ea typeface="Arial Narrow" charset="0"/>
+                    <a:cs typeface="Arial Narrow" charset="0"/>
+                  </a:rPr>
+                  <a:t>Apiserver</a:t>
+                </a:r>
+                <a:endParaRPr kumimoji="1" lang="ja-JP" altLang="en-US" sz="1800" dirty="0">
+                  <a:solidFill>
+                    <a:schemeClr val="tx1"/>
+                  </a:solidFill>
+                  <a:latin typeface="Arial Narrow" charset="0"/>
+                  <a:ea typeface="Arial Narrow" charset="0"/>
+                  <a:cs typeface="Arial Narrow" charset="0"/>
+                </a:endParaRPr>
+              </a:p>
+            </p:txBody>
+          </p:sp>
+          <p:sp>
+            <p:nvSpPr>
+              <p:cNvPr id="73" name="角丸四角形 72"/>
+              <p:cNvSpPr/>
+              <p:nvPr/>
+            </p:nvSpPr>
+            <p:spPr>
+              <a:xfrm>
+                <a:off x="1966478" y="2672376"/>
+                <a:ext cx="1040462" cy="306000"/>
+              </a:xfrm>
+              <a:prstGeom prst="roundRect">
+                <a:avLst/>
+              </a:prstGeom>
+              <a:ln w="9525">
+                <a:solidFill>
+                  <a:schemeClr val="tx1"/>
+                </a:solidFill>
+              </a:ln>
+            </p:spPr>
+            <p:style>
+              <a:lnRef idx="2">
+                <a:schemeClr val="accent1">
+                  <a:shade val="50000"/>
+                </a:schemeClr>
+              </a:lnRef>
+              <a:fillRef idx="1">
+                <a:schemeClr val="accent1"/>
+              </a:fillRef>
+              <a:effectRef idx="0">
+                <a:schemeClr val="accent1"/>
+              </a:effectRef>
+              <a:fontRef idx="minor">
+                <a:schemeClr val="lt1"/>
+              </a:fontRef>
+            </p:style>
+            <p:txBody>
+              <a:bodyPr lIns="0" rIns="0" rtlCol="0" anchor="ctr"/>
+              <a:lstStyle/>
+              <a:p>
+                <a:pPr algn="ctr"/>
+                <a:r>
+                  <a:rPr kumimoji="1" lang="en-US" altLang="ja-JP" sz="1800" dirty="0" smtClean="0">
+                    <a:solidFill>
+                      <a:schemeClr val="tx1"/>
+                    </a:solidFill>
+                    <a:latin typeface="Arial Narrow" charset="0"/>
+                    <a:ea typeface="Arial Narrow" charset="0"/>
+                    <a:cs typeface="Arial Narrow" charset="0"/>
+                  </a:rPr>
+                  <a:t>Scheduler</a:t>
+                </a:r>
+                <a:endParaRPr kumimoji="1" lang="ja-JP" altLang="en-US" sz="1800" dirty="0">
+                  <a:solidFill>
+                    <a:schemeClr val="tx1"/>
+                  </a:solidFill>
+                  <a:latin typeface="Arial Narrow" charset="0"/>
+                  <a:ea typeface="Arial Narrow" charset="0"/>
+                  <a:cs typeface="Arial Narrow" charset="0"/>
+                </a:endParaRPr>
+              </a:p>
+            </p:txBody>
+          </p:sp>
+          <p:sp>
+            <p:nvSpPr>
+              <p:cNvPr id="74" name="角丸四角形 73"/>
+              <p:cNvSpPr/>
+              <p:nvPr/>
+            </p:nvSpPr>
+            <p:spPr>
+              <a:xfrm>
+                <a:off x="1385047" y="3089392"/>
+                <a:ext cx="1785585" cy="306000"/>
+              </a:xfrm>
+              <a:prstGeom prst="roundRect">
+                <a:avLst/>
+              </a:prstGeom>
+              <a:ln w="9525">
+                <a:solidFill>
+                  <a:schemeClr val="tx1"/>
+                </a:solidFill>
+              </a:ln>
+            </p:spPr>
+            <p:style>
+              <a:lnRef idx="2">
+                <a:schemeClr val="accent1">
+                  <a:shade val="50000"/>
+                </a:schemeClr>
+              </a:lnRef>
+              <a:fillRef idx="1">
+                <a:schemeClr val="accent1"/>
+              </a:fillRef>
+              <a:effectRef idx="0">
+                <a:schemeClr val="accent1"/>
+              </a:effectRef>
+              <a:fontRef idx="minor">
+                <a:schemeClr val="lt1"/>
+              </a:fontRef>
+            </p:style>
+            <p:txBody>
+              <a:bodyPr lIns="0" rIns="0" rtlCol="0" anchor="ctr"/>
+              <a:lstStyle/>
+              <a:p>
+                <a:pPr algn="ctr"/>
+                <a:r>
+                  <a:rPr kumimoji="1" lang="en-US" altLang="ja-JP" sz="1800" dirty="0" smtClean="0">
+                    <a:solidFill>
+                      <a:schemeClr val="tx1"/>
+                    </a:solidFill>
+                    <a:latin typeface="Arial Narrow" charset="0"/>
+                    <a:ea typeface="Arial Narrow" charset="0"/>
+                    <a:cs typeface="Arial Narrow" charset="0"/>
+                  </a:rPr>
+                  <a:t>Controller Manager</a:t>
+                </a:r>
+                <a:endParaRPr kumimoji="1" lang="ja-JP" altLang="en-US" sz="1800" dirty="0">
+                  <a:solidFill>
+                    <a:schemeClr val="tx1"/>
+                  </a:solidFill>
+                  <a:latin typeface="Arial Narrow" charset="0"/>
+                  <a:ea typeface="Arial Narrow" charset="0"/>
+                  <a:cs typeface="Arial Narrow" charset="0"/>
+                </a:endParaRPr>
+              </a:p>
+            </p:txBody>
+          </p:sp>
+        </p:grpSp>
+        <p:sp>
+          <p:nvSpPr>
+            <p:cNvPr id="87" name="L 字 86"/>
+            <p:cNvSpPr/>
+            <p:nvPr/>
+          </p:nvSpPr>
+          <p:spPr>
+            <a:xfrm>
+              <a:off x="357495" y="1510039"/>
+              <a:ext cx="8367405" cy="4320000"/>
+            </a:xfrm>
+            <a:prstGeom prst="corner">
+              <a:avLst>
+                <a:gd name="adj1" fmla="val 58730"/>
+                <a:gd name="adj2" fmla="val 73202"/>
+              </a:avLst>
+            </a:prstGeom>
+            <a:noFill/>
+            <a:ln w="12700">
+              <a:solidFill>
+                <a:schemeClr val="tx1"/>
+              </a:solidFill>
+              <a:prstDash val="dash"/>
+            </a:ln>
+          </p:spPr>
+          <p:style>
+            <a:lnRef idx="2">
+              <a:schemeClr val="accent1">
+                <a:shade val="50000"/>
+              </a:schemeClr>
+            </a:lnRef>
+            <a:fillRef idx="1">
+              <a:schemeClr val="accent1"/>
+            </a:fillRef>
+            <a:effectRef idx="0">
+              <a:schemeClr val="accent1"/>
+            </a:effectRef>
+            <a:fontRef idx="minor">
+              <a:schemeClr val="lt1"/>
+            </a:fontRef>
+          </p:style>
+          <p:txBody>
+            <a:bodyPr rtlCol="0" anchor="ctr"/>
+            <a:lstStyle/>
+            <a:p>
+              <a:pPr algn="ctr"/>
+              <a:endParaRPr kumimoji="1" lang="ja-JP" altLang="en-US"/>
+            </a:p>
+          </p:txBody>
+        </p:sp>
+        <p:sp>
+          <p:nvSpPr>
+            <p:cNvPr id="88" name="対角する 2 つの角を丸めた四角形 87"/>
+            <p:cNvSpPr/>
+            <p:nvPr/>
+          </p:nvSpPr>
+          <p:spPr>
+            <a:xfrm>
+              <a:off x="4910500" y="1913034"/>
+              <a:ext cx="2832420" cy="908931"/>
+            </a:xfrm>
+            <a:prstGeom prst="round2DiagRect">
+              <a:avLst/>
+            </a:prstGeom>
+            <a:ln>
+              <a:solidFill>
+                <a:schemeClr val="tx1"/>
+              </a:solidFill>
+            </a:ln>
+          </p:spPr>
+          <p:style>
+            <a:lnRef idx="2">
+              <a:schemeClr val="accent1">
+                <a:shade val="50000"/>
+              </a:schemeClr>
+            </a:lnRef>
+            <a:fillRef idx="1">
+              <a:schemeClr val="accent1"/>
+            </a:fillRef>
+            <a:effectRef idx="0">
+              <a:schemeClr val="accent1"/>
+            </a:effectRef>
+            <a:fontRef idx="minor">
+              <a:schemeClr val="lt1"/>
+            </a:fontRef>
+          </p:style>
+          <p:txBody>
+            <a:bodyPr rtlCol="0" anchor="ctr"/>
+            <a:lstStyle/>
+            <a:p>
+              <a:pPr algn="ctr">
+                <a:lnSpc>
+                  <a:spcPct val="150000"/>
+                </a:lnSpc>
+              </a:pPr>
+              <a:r>
+                <a:rPr kumimoji="1" lang="en-US" altLang="ja-JP" sz="1800" dirty="0" smtClean="0">
+                  <a:solidFill>
+                    <a:schemeClr val="tx1"/>
+                  </a:solidFill>
+                </a:rPr>
+                <a:t>External </a:t>
+              </a:r>
+              <a:r>
+                <a:rPr kumimoji="1" lang="en-US" altLang="ja-JP" sz="1800" dirty="0" err="1" smtClean="0">
+                  <a:solidFill>
+                    <a:schemeClr val="tx1"/>
+                  </a:solidFill>
+                </a:rPr>
+                <a:t>Loadbalancer</a:t>
+              </a:r>
+              <a:r>
+                <a:rPr kumimoji="1" lang="en-US" altLang="ja-JP" sz="1800" dirty="0" smtClean="0">
+                  <a:solidFill>
+                    <a:schemeClr val="tx1"/>
+                  </a:solidFill>
+                </a:rPr>
+                <a:t> by Cloud Providers</a:t>
+              </a:r>
+              <a:endParaRPr kumimoji="1" lang="ja-JP" altLang="en-US" sz="1800" dirty="0">
+                <a:solidFill>
+                  <a:schemeClr val="tx1"/>
+                </a:solidFill>
+              </a:endParaRPr>
+            </a:p>
+          </p:txBody>
+        </p:sp>
+        <p:cxnSp>
+          <p:nvCxnSpPr>
+            <p:cNvPr id="90" name="直線矢印コネクタ 89"/>
+            <p:cNvCxnSpPr>
+              <a:stCxn id="95" idx="3"/>
+              <a:endCxn id="88" idx="2"/>
+            </p:cNvCxnSpPr>
+            <p:nvPr/>
+          </p:nvCxnSpPr>
+          <p:spPr>
+            <a:xfrm flipV="1">
+              <a:off x="3165733" y="2367500"/>
+              <a:ext cx="1744767" cy="5458"/>
+            </a:xfrm>
+            <a:prstGeom prst="straightConnector1">
+              <a:avLst/>
+            </a:prstGeom>
+            <a:ln>
+              <a:solidFill>
+                <a:schemeClr val="tx1"/>
+              </a:solidFill>
+              <a:tailEnd type="triangle"/>
+            </a:ln>
+          </p:spPr>
+          <p:style>
+            <a:lnRef idx="1">
+              <a:schemeClr val="accent1"/>
+            </a:lnRef>
+            <a:fillRef idx="0">
+              <a:schemeClr val="accent1"/>
+            </a:fillRef>
+            <a:effectRef idx="0">
+              <a:schemeClr val="accent1"/>
+            </a:effectRef>
+            <a:fontRef idx="minor">
+              <a:schemeClr val="tx1"/>
+            </a:fontRef>
+          </p:style>
+        </p:cxnSp>
+        <p:cxnSp>
+          <p:nvCxnSpPr>
+            <p:cNvPr id="94" name="直線矢印コネクタ 93"/>
+            <p:cNvCxnSpPr>
+              <a:stCxn id="97" idx="2"/>
+              <a:endCxn id="95" idx="0"/>
+            </p:cNvCxnSpPr>
+            <p:nvPr/>
+          </p:nvCxnSpPr>
+          <p:spPr>
+            <a:xfrm>
+              <a:off x="1836823" y="1277103"/>
+              <a:ext cx="1" cy="492416"/>
+            </a:xfrm>
+            <a:prstGeom prst="straightConnector1">
+              <a:avLst/>
+            </a:prstGeom>
+            <a:ln>
+              <a:solidFill>
+                <a:schemeClr val="tx1"/>
+              </a:solidFill>
+              <a:tailEnd type="triangle"/>
+            </a:ln>
+          </p:spPr>
+          <p:style>
+            <a:lnRef idx="1">
+              <a:schemeClr val="accent1"/>
+            </a:lnRef>
+            <a:fillRef idx="0">
+              <a:schemeClr val="accent1"/>
+            </a:fillRef>
+            <a:effectRef idx="0">
+              <a:schemeClr val="accent1"/>
+            </a:effectRef>
+            <a:fontRef idx="minor">
+              <a:schemeClr val="tx1"/>
+            </a:fontRef>
+          </p:style>
+        </p:cxnSp>
+        <p:sp>
+          <p:nvSpPr>
+            <p:cNvPr id="97" name="テキスト ボックス 96"/>
+            <p:cNvSpPr txBox="1"/>
+            <p:nvPr/>
+          </p:nvSpPr>
+          <p:spPr>
+            <a:xfrm>
+              <a:off x="1462930" y="992940"/>
+              <a:ext cx="747786" cy="284163"/>
+            </a:xfrm>
+            <a:prstGeom prst="rect">
+              <a:avLst/>
+            </a:prstGeom>
+            <a:noFill/>
+            <a:ln>
+              <a:noFill/>
+            </a:ln>
+          </p:spPr>
+          <p:txBody>
+            <a:bodyPr wrap="square" lIns="0" tIns="0" rIns="0" bIns="0" rtlCol="0">
+              <a:spAutoFit/>
+            </a:bodyPr>
+            <a:lstStyle/>
+            <a:p>
+              <a:r>
+                <a:rPr kumimoji="1" lang="en-US" altLang="ja-JP" sz="1800" dirty="0" err="1" smtClean="0">
+                  <a:latin typeface="+mn-lt"/>
+                  <a:ea typeface="Arial Narrow" charset="0"/>
+                  <a:cs typeface="Arial Narrow" charset="0"/>
+                </a:rPr>
+                <a:t>kubectl</a:t>
+              </a:r>
+              <a:endParaRPr kumimoji="1" lang="ja-JP" altLang="en-US" sz="1800" dirty="0">
+                <a:latin typeface="+mn-lt"/>
+                <a:ea typeface="Arial Narrow" charset="0"/>
+                <a:cs typeface="Arial Narrow" charset="0"/>
+              </a:endParaRPr>
+            </a:p>
+          </p:txBody>
+        </p:sp>
+        <p:sp>
+          <p:nvSpPr>
+            <p:cNvPr id="104" name="テキスト ボックス 103"/>
+            <p:cNvSpPr txBox="1"/>
+            <p:nvPr/>
+          </p:nvSpPr>
+          <p:spPr>
+            <a:xfrm>
+              <a:off x="3442137" y="2033485"/>
+              <a:ext cx="1221115" cy="276999"/>
+            </a:xfrm>
+            <a:prstGeom prst="rect">
+              <a:avLst/>
+            </a:prstGeom>
+            <a:solidFill>
+              <a:schemeClr val="bg1"/>
+            </a:solidFill>
+            <a:ln>
+              <a:noFill/>
+            </a:ln>
+          </p:spPr>
+          <p:txBody>
+            <a:bodyPr wrap="square" lIns="0" tIns="0" rIns="0" bIns="0" rtlCol="0">
+              <a:spAutoFit/>
+            </a:bodyPr>
+            <a:lstStyle/>
+            <a:p>
+              <a:r>
+                <a:rPr kumimoji="1" lang="en-US" altLang="ja-JP" sz="1800" dirty="0" smtClean="0">
+                  <a:latin typeface="+mn-lt"/>
+                  <a:ea typeface="Arial Narrow" charset="0"/>
+                  <a:cs typeface="Arial Narrow" charset="0"/>
+                </a:rPr>
+                <a:t>API request</a:t>
+              </a:r>
+              <a:endParaRPr kumimoji="1" lang="ja-JP" altLang="en-US" sz="1800" dirty="0">
+                <a:latin typeface="+mn-lt"/>
+                <a:ea typeface="Arial Narrow" charset="0"/>
+                <a:cs typeface="Arial Narrow" charset="0"/>
+              </a:endParaRPr>
+            </a:p>
+          </p:txBody>
+        </p:sp>
+        <p:sp>
+          <p:nvSpPr>
+            <p:cNvPr id="105" name="テキスト ボックス 104"/>
+            <p:cNvSpPr txBox="1"/>
+            <p:nvPr/>
+          </p:nvSpPr>
+          <p:spPr>
+            <a:xfrm>
+              <a:off x="6630994" y="5901985"/>
+              <a:ext cx="2003951" cy="276999"/>
+            </a:xfrm>
+            <a:prstGeom prst="rect">
+              <a:avLst/>
+            </a:prstGeom>
+            <a:noFill/>
+            <a:ln>
+              <a:noFill/>
+            </a:ln>
+          </p:spPr>
+          <p:txBody>
+            <a:bodyPr wrap="square" lIns="0" tIns="0" rIns="0" bIns="0" rtlCol="0">
+              <a:spAutoFit/>
+            </a:bodyPr>
+            <a:lstStyle/>
+            <a:p>
+              <a:r>
+                <a:rPr kumimoji="1" lang="en-US" altLang="ja-JP" sz="1800" dirty="0" smtClean="0">
+                  <a:latin typeface="+mn-lt"/>
+                  <a:ea typeface="Arial Narrow" charset="0"/>
+                  <a:cs typeface="Arial Narrow" charset="0"/>
+                </a:rPr>
+                <a:t>Kubernetes Cluster</a:t>
+              </a:r>
+              <a:endParaRPr kumimoji="1" lang="ja-JP" altLang="en-US" sz="1800" dirty="0">
+                <a:latin typeface="+mn-lt"/>
+                <a:ea typeface="Arial Narrow" charset="0"/>
+                <a:cs typeface="Arial Narrow" charset="0"/>
+              </a:endParaRPr>
+            </a:p>
+          </p:txBody>
+        </p:sp>
+        <p:cxnSp>
+          <p:nvCxnSpPr>
+            <p:cNvPr id="116" name="曲線コネクタ 115"/>
+            <p:cNvCxnSpPr>
+              <a:stCxn id="88" idx="1"/>
+              <a:endCxn id="23" idx="0"/>
+            </p:cNvCxnSpPr>
+            <p:nvPr/>
+          </p:nvCxnSpPr>
+          <p:spPr>
+            <a:xfrm rot="5400000">
+              <a:off x="3645478" y="1314899"/>
+              <a:ext cx="1174166" cy="4188299"/>
+            </a:xfrm>
+            <a:prstGeom prst="curvedConnector3">
+              <a:avLst>
+                <a:gd name="adj1" fmla="val 50000"/>
+              </a:avLst>
+            </a:prstGeom>
+            <a:ln w="25400">
+              <a:solidFill>
+                <a:srgbClr val="111CFE"/>
+              </a:solidFill>
+              <a:tailEnd type="triangle"/>
+            </a:ln>
+          </p:spPr>
+          <p:style>
+            <a:lnRef idx="1">
+              <a:schemeClr val="accent1"/>
+            </a:lnRef>
+            <a:fillRef idx="0">
+              <a:schemeClr val="accent1"/>
+            </a:fillRef>
+            <a:effectRef idx="0">
+              <a:schemeClr val="accent1"/>
+            </a:effectRef>
+            <a:fontRef idx="minor">
+              <a:schemeClr val="tx1"/>
+            </a:fontRef>
+          </p:style>
+        </p:cxnSp>
+        <p:cxnSp>
+          <p:nvCxnSpPr>
+            <p:cNvPr id="117" name="曲線コネクタ 116"/>
+            <p:cNvCxnSpPr>
+              <a:stCxn id="88" idx="1"/>
+              <a:endCxn id="208" idx="0"/>
+            </p:cNvCxnSpPr>
+            <p:nvPr/>
+          </p:nvCxnSpPr>
+          <p:spPr>
+            <a:xfrm rot="5400000">
+              <a:off x="4959211" y="2630556"/>
+              <a:ext cx="1176091" cy="1558909"/>
+            </a:xfrm>
+            <a:prstGeom prst="curvedConnector3">
+              <a:avLst>
+                <a:gd name="adj1" fmla="val 50000"/>
+              </a:avLst>
+            </a:prstGeom>
+            <a:ln w="25400">
+              <a:solidFill>
+                <a:srgbClr val="111CFE"/>
+              </a:solidFill>
+              <a:tailEnd type="triangle"/>
+            </a:ln>
+          </p:spPr>
+          <p:style>
+            <a:lnRef idx="1">
+              <a:schemeClr val="accent1"/>
+            </a:lnRef>
+            <a:fillRef idx="0">
+              <a:schemeClr val="accent1"/>
+            </a:fillRef>
+            <a:effectRef idx="0">
+              <a:schemeClr val="accent1"/>
+            </a:effectRef>
+            <a:fontRef idx="minor">
+              <a:schemeClr val="tx1"/>
+            </a:fontRef>
+          </p:style>
+        </p:cxnSp>
+        <p:cxnSp>
+          <p:nvCxnSpPr>
+            <p:cNvPr id="121" name="曲線コネクタ 120"/>
+            <p:cNvCxnSpPr>
+              <a:stCxn id="88" idx="1"/>
+              <a:endCxn id="223" idx="0"/>
+            </p:cNvCxnSpPr>
+            <p:nvPr/>
+          </p:nvCxnSpPr>
+          <p:spPr>
+            <a:xfrm rot="16200000" flipH="1">
+              <a:off x="6419262" y="2729413"/>
+              <a:ext cx="1174166" cy="1359270"/>
+            </a:xfrm>
+            <a:prstGeom prst="curvedConnector3">
+              <a:avLst>
+                <a:gd name="adj1" fmla="val 50000"/>
+              </a:avLst>
+            </a:prstGeom>
+            <a:ln w="25400">
+              <a:solidFill>
+                <a:srgbClr val="111CFE"/>
+              </a:solidFill>
+              <a:tailEnd type="triangle"/>
+            </a:ln>
+          </p:spPr>
+          <p:style>
+            <a:lnRef idx="1">
+              <a:schemeClr val="accent1"/>
+            </a:lnRef>
+            <a:fillRef idx="0">
+              <a:schemeClr val="accent1"/>
+            </a:fillRef>
+            <a:effectRef idx="0">
+              <a:schemeClr val="accent1"/>
+            </a:effectRef>
+            <a:fontRef idx="minor">
+              <a:schemeClr val="tx1"/>
+            </a:fontRef>
+          </p:style>
+        </p:cxnSp>
+        <p:cxnSp>
+          <p:nvCxnSpPr>
+            <p:cNvPr id="138" name="直線矢印コネクタ 137"/>
+            <p:cNvCxnSpPr>
+              <a:stCxn id="140" idx="2"/>
+              <a:endCxn id="88" idx="3"/>
+            </p:cNvCxnSpPr>
+            <p:nvPr/>
+          </p:nvCxnSpPr>
+          <p:spPr>
+            <a:xfrm>
+              <a:off x="6326710" y="1277103"/>
+              <a:ext cx="0" cy="635931"/>
+            </a:xfrm>
+            <a:prstGeom prst="straightConnector1">
+              <a:avLst/>
+            </a:prstGeom>
+            <a:ln w="25400">
+              <a:solidFill>
+                <a:srgbClr val="111CFE"/>
+              </a:solidFill>
+              <a:tailEnd type="triangle"/>
+            </a:ln>
+          </p:spPr>
+          <p:style>
+            <a:lnRef idx="1">
+              <a:schemeClr val="accent1"/>
+            </a:lnRef>
+            <a:fillRef idx="0">
+              <a:schemeClr val="accent1"/>
+            </a:fillRef>
+            <a:effectRef idx="0">
+              <a:schemeClr val="accent1"/>
+            </a:effectRef>
+            <a:fontRef idx="minor">
+              <a:schemeClr val="tx1"/>
+            </a:fontRef>
+          </p:style>
+        </p:cxnSp>
+        <p:sp>
+          <p:nvSpPr>
+            <p:cNvPr id="140" name="テキスト ボックス 139"/>
+            <p:cNvSpPr txBox="1"/>
+            <p:nvPr/>
+          </p:nvSpPr>
+          <p:spPr>
+            <a:xfrm>
+              <a:off x="5267814" y="1000104"/>
+              <a:ext cx="2117792" cy="276999"/>
+            </a:xfrm>
+            <a:prstGeom prst="rect">
+              <a:avLst/>
+            </a:prstGeom>
+            <a:noFill/>
+            <a:ln>
+              <a:noFill/>
+            </a:ln>
+          </p:spPr>
+          <p:txBody>
+            <a:bodyPr wrap="square" lIns="0" tIns="0" rIns="0" bIns="0" rtlCol="0">
+              <a:spAutoFit/>
+            </a:bodyPr>
+            <a:lstStyle/>
+            <a:p>
+              <a:r>
+                <a:rPr kumimoji="1" lang="en-US" altLang="ja-JP" sz="1800" dirty="0" smtClean="0">
+                  <a:latin typeface="+mn-lt"/>
+                  <a:ea typeface="Arial Narrow" charset="0"/>
+                  <a:cs typeface="Arial Narrow" charset="0"/>
+                </a:rPr>
+                <a:t>Access from Internet</a:t>
+              </a:r>
+              <a:endParaRPr kumimoji="1" lang="ja-JP" altLang="en-US" sz="1800" dirty="0">
+                <a:latin typeface="+mn-lt"/>
+                <a:ea typeface="Arial Narrow" charset="0"/>
+                <a:cs typeface="Arial Narrow" charset="0"/>
+              </a:endParaRPr>
+            </a:p>
+          </p:txBody>
+        </p:sp>
+        <p:grpSp>
+          <p:nvGrpSpPr>
+            <p:cNvPr id="185" name="図形グループ 184"/>
+            <p:cNvGrpSpPr/>
+            <p:nvPr/>
+          </p:nvGrpSpPr>
+          <p:grpSpPr>
+            <a:xfrm>
+              <a:off x="507914" y="3637856"/>
+              <a:ext cx="2502733" cy="1977785"/>
+              <a:chOff x="596814" y="4349056"/>
+              <a:chExt cx="2502733" cy="1977785"/>
+            </a:xfrm>
+          </p:grpSpPr>
+          <p:sp>
+            <p:nvSpPr>
+              <p:cNvPr id="3" name="正方形/長方形 2"/>
+              <p:cNvSpPr/>
+              <p:nvPr/>
+            </p:nvSpPr>
+            <p:spPr>
+              <a:xfrm>
+                <a:off x="596814" y="4349056"/>
+                <a:ext cx="2502733" cy="1977785"/>
+              </a:xfrm>
+              <a:prstGeom prst="rect">
+                <a:avLst/>
+              </a:prstGeom>
+              <a:solidFill>
+                <a:srgbClr val="80BED7">
+                  <a:alpha val="33000"/>
+                </a:srgbClr>
+              </a:solidFill>
+              <a:ln w="12700">
+                <a:solidFill>
+                  <a:schemeClr val="tx1"/>
+                </a:solidFill>
+              </a:ln>
+            </p:spPr>
+            <p:style>
+              <a:lnRef idx="2">
+                <a:schemeClr val="accent1">
+                  <a:shade val="50000"/>
+                </a:schemeClr>
+              </a:lnRef>
+              <a:fillRef idx="1">
+                <a:schemeClr val="accent1"/>
+              </a:fillRef>
+              <a:effectRef idx="0">
+                <a:schemeClr val="accent1"/>
+              </a:effectRef>
+              <a:fontRef idx="minor">
+                <a:schemeClr val="lt1"/>
+              </a:fontRef>
+            </p:style>
+            <p:txBody>
+              <a:bodyPr rtlCol="0" anchor="ctr"/>
+              <a:lstStyle/>
+              <a:p>
+                <a:pPr algn="ctr"/>
+                <a:endParaRPr kumimoji="1" lang="ja-JP" altLang="en-US" sz="1800"/>
+              </a:p>
+            </p:txBody>
+          </p:sp>
+          <p:sp>
+            <p:nvSpPr>
+              <p:cNvPr id="4" name="テキスト ボックス 3"/>
+              <p:cNvSpPr txBox="1"/>
+              <p:nvPr/>
+            </p:nvSpPr>
+            <p:spPr>
+              <a:xfrm>
+                <a:off x="669528" y="4389401"/>
+                <a:ext cx="559449" cy="276999"/>
+              </a:xfrm>
+              <a:prstGeom prst="rect">
+                <a:avLst/>
+              </a:prstGeom>
+              <a:noFill/>
+              <a:ln>
+                <a:noFill/>
+              </a:ln>
+            </p:spPr>
+            <p:txBody>
+              <a:bodyPr wrap="none" lIns="0" tIns="0" rIns="0" bIns="0" rtlCol="0">
+                <a:spAutoFit/>
+              </a:bodyPr>
+              <a:lstStyle/>
+              <a:p>
+                <a:r>
+                  <a:rPr kumimoji="1" lang="en-US" altLang="ja-JP" sz="1800" dirty="0" smtClean="0">
+                    <a:latin typeface="Arial Narrow" charset="0"/>
+                    <a:ea typeface="Arial Narrow" charset="0"/>
+                    <a:cs typeface="Arial Narrow" charset="0"/>
+                  </a:rPr>
+                  <a:t>Node1</a:t>
+                </a:r>
+                <a:endParaRPr kumimoji="1" lang="ja-JP" altLang="en-US" sz="1800" dirty="0">
+                  <a:latin typeface="Arial Narrow" charset="0"/>
+                  <a:ea typeface="Arial Narrow" charset="0"/>
+                  <a:cs typeface="Arial Narrow" charset="0"/>
+                </a:endParaRPr>
+              </a:p>
+            </p:txBody>
+          </p:sp>
+          <p:sp>
+            <p:nvSpPr>
+              <p:cNvPr id="19" name="角丸四角形 18"/>
+              <p:cNvSpPr/>
+              <p:nvPr/>
+            </p:nvSpPr>
+            <p:spPr>
+              <a:xfrm>
+                <a:off x="668878" y="4707010"/>
+                <a:ext cx="716169" cy="298690"/>
+              </a:xfrm>
+              <a:prstGeom prst="roundRect">
+                <a:avLst/>
+              </a:prstGeom>
+              <a:ln w="9525">
+                <a:solidFill>
+                  <a:schemeClr val="tx1"/>
+                </a:solidFill>
+              </a:ln>
+            </p:spPr>
+            <p:style>
+              <a:lnRef idx="2">
+                <a:schemeClr val="accent1">
+                  <a:shade val="50000"/>
+                </a:schemeClr>
+              </a:lnRef>
+              <a:fillRef idx="1">
+                <a:schemeClr val="accent1"/>
+              </a:fillRef>
+              <a:effectRef idx="0">
+                <a:schemeClr val="accent1"/>
+              </a:effectRef>
+              <a:fontRef idx="minor">
+                <a:schemeClr val="lt1"/>
+              </a:fontRef>
+            </p:style>
+            <p:txBody>
+              <a:bodyPr lIns="0" rIns="0" rtlCol="0" anchor="ctr"/>
+              <a:lstStyle/>
+              <a:p>
+                <a:pPr algn="ctr"/>
+                <a:r>
+                  <a:rPr kumimoji="1" lang="en-US" altLang="ja-JP" sz="1800" dirty="0" err="1">
+                    <a:solidFill>
+                      <a:schemeClr val="tx1"/>
+                    </a:solidFill>
+                    <a:latin typeface="Arial Narrow" charset="0"/>
+                    <a:ea typeface="Arial Narrow" charset="0"/>
+                    <a:cs typeface="Arial Narrow" charset="0"/>
+                  </a:rPr>
+                  <a:t>K</a:t>
+                </a:r>
+                <a:r>
+                  <a:rPr kumimoji="1" lang="en-US" altLang="ja-JP" sz="1800" dirty="0" err="1" smtClean="0">
+                    <a:solidFill>
+                      <a:schemeClr val="tx1"/>
+                    </a:solidFill>
+                    <a:latin typeface="Arial Narrow" charset="0"/>
+                    <a:ea typeface="Arial Narrow" charset="0"/>
+                    <a:cs typeface="Arial Narrow" charset="0"/>
+                  </a:rPr>
+                  <a:t>ubelet</a:t>
+                </a:r>
+                <a:endParaRPr kumimoji="1" lang="ja-JP" altLang="en-US" sz="1800" dirty="0">
+                  <a:solidFill>
+                    <a:schemeClr val="tx1"/>
+                  </a:solidFill>
+                  <a:latin typeface="Arial Narrow" charset="0"/>
+                  <a:ea typeface="Arial Narrow" charset="0"/>
+                  <a:cs typeface="Arial Narrow" charset="0"/>
+                </a:endParaRPr>
+              </a:p>
+            </p:txBody>
+          </p:sp>
+          <p:sp>
+            <p:nvSpPr>
+              <p:cNvPr id="23" name="角丸四角形 22"/>
+              <p:cNvSpPr/>
+              <p:nvPr/>
+            </p:nvSpPr>
+            <p:spPr>
+              <a:xfrm>
+                <a:off x="1468789" y="4707331"/>
+                <a:ext cx="1517044" cy="295606"/>
+              </a:xfrm>
+              <a:prstGeom prst="roundRect">
+                <a:avLst/>
+              </a:prstGeom>
+              <a:ln w="9525">
+                <a:solidFill>
+                  <a:schemeClr val="tx1"/>
+                </a:solidFill>
+              </a:ln>
+            </p:spPr>
+            <p:style>
+              <a:lnRef idx="2">
+                <a:schemeClr val="accent1">
+                  <a:shade val="50000"/>
+                </a:schemeClr>
+              </a:lnRef>
+              <a:fillRef idx="1">
+                <a:schemeClr val="accent1"/>
+              </a:fillRef>
+              <a:effectRef idx="0">
+                <a:schemeClr val="accent1"/>
+              </a:effectRef>
+              <a:fontRef idx="minor">
+                <a:schemeClr val="lt1"/>
+              </a:fontRef>
+            </p:style>
+            <p:txBody>
+              <a:bodyPr lIns="0" rIns="0" rtlCol="0" anchor="ctr"/>
+              <a:lstStyle/>
+              <a:p>
+                <a:pPr algn="ctr"/>
+                <a:r>
+                  <a:rPr kumimoji="1" lang="en-US" altLang="ja-JP" sz="1800" smtClean="0">
+                    <a:solidFill>
+                      <a:schemeClr val="tx1"/>
+                    </a:solidFill>
+                    <a:latin typeface="Arial Narrow" charset="0"/>
+                    <a:ea typeface="Arial Narrow" charset="0"/>
+                    <a:cs typeface="Arial Narrow" charset="0"/>
+                  </a:rPr>
+                  <a:t>Proxy (</a:t>
+                </a:r>
+                <a:r>
+                  <a:rPr kumimoji="1" lang="en-US" altLang="ja-JP" sz="1800" dirty="0" err="1" smtClean="0">
+                    <a:solidFill>
+                      <a:schemeClr val="tx1"/>
+                    </a:solidFill>
+                    <a:latin typeface="Arial Narrow" charset="0"/>
+                    <a:ea typeface="Arial Narrow" charset="0"/>
+                    <a:cs typeface="Arial Narrow" charset="0"/>
+                  </a:rPr>
+                  <a:t>iptables</a:t>
+                </a:r>
+                <a:r>
+                  <a:rPr kumimoji="1" lang="en-US" altLang="ja-JP" sz="1800" dirty="0" smtClean="0">
+                    <a:solidFill>
+                      <a:schemeClr val="tx1"/>
+                    </a:solidFill>
+                    <a:latin typeface="Arial Narrow" charset="0"/>
+                    <a:ea typeface="Arial Narrow" charset="0"/>
+                    <a:cs typeface="Arial Narrow" charset="0"/>
+                  </a:rPr>
+                  <a:t>)</a:t>
+                </a:r>
+                <a:endParaRPr kumimoji="1" lang="ja-JP" altLang="en-US" sz="1800" dirty="0">
+                  <a:solidFill>
+                    <a:schemeClr val="tx1"/>
+                  </a:solidFill>
+                  <a:latin typeface="Arial Narrow" charset="0"/>
+                  <a:ea typeface="Arial Narrow" charset="0"/>
+                  <a:cs typeface="Arial Narrow" charset="0"/>
+                </a:endParaRPr>
+              </a:p>
+            </p:txBody>
+          </p:sp>
+          <p:grpSp>
+            <p:nvGrpSpPr>
+              <p:cNvPr id="178" name="図形グループ 177"/>
+              <p:cNvGrpSpPr/>
+              <p:nvPr/>
+            </p:nvGrpSpPr>
+            <p:grpSpPr>
+              <a:xfrm>
+                <a:off x="666356" y="5128223"/>
+                <a:ext cx="1124917" cy="1089399"/>
+                <a:chOff x="666356" y="5128223"/>
+                <a:chExt cx="1124917" cy="1089399"/>
+              </a:xfrm>
+            </p:grpSpPr>
+            <p:sp>
+              <p:nvSpPr>
+                <p:cNvPr id="5" name="角丸四角形 4"/>
+                <p:cNvSpPr/>
+                <p:nvPr/>
+              </p:nvSpPr>
+              <p:spPr>
+                <a:xfrm>
+                  <a:off x="668781" y="5128223"/>
+                  <a:ext cx="1122492" cy="1089399"/>
+                </a:xfrm>
+                <a:prstGeom prst="roundRect">
+                  <a:avLst/>
+                </a:prstGeom>
+                <a:solidFill>
+                  <a:schemeClr val="accent1"/>
+                </a:solidFill>
+                <a:ln w="12700">
+                  <a:solidFill>
+                    <a:schemeClr val="tx1"/>
+                  </a:solidFill>
+                </a:ln>
+              </p:spPr>
+              <p:style>
+                <a:lnRef idx="2">
+                  <a:schemeClr val="accent1">
+                    <a:shade val="50000"/>
+                  </a:schemeClr>
+                </a:lnRef>
+                <a:fillRef idx="1">
+                  <a:schemeClr val="accent1"/>
+                </a:fillRef>
+                <a:effectRef idx="0">
+                  <a:schemeClr val="accent1"/>
+                </a:effectRef>
+                <a:fontRef idx="minor">
+                  <a:schemeClr val="lt1"/>
+                </a:fontRef>
+              </p:style>
+              <p:txBody>
+                <a:bodyPr rtlCol="0" anchor="ctr"/>
+                <a:lstStyle/>
+                <a:p>
+                  <a:pPr algn="ctr"/>
+                  <a:endParaRPr kumimoji="1" lang="ja-JP" altLang="en-US" sz="1800"/>
+                </a:p>
+              </p:txBody>
+            </p:sp>
+            <p:sp>
+              <p:nvSpPr>
+                <p:cNvPr id="6" name="テキスト ボックス 5"/>
+                <p:cNvSpPr txBox="1"/>
+                <p:nvPr/>
+              </p:nvSpPr>
+              <p:spPr>
+                <a:xfrm>
+                  <a:off x="666356" y="5128224"/>
+                  <a:ext cx="626770" cy="369332"/>
+                </a:xfrm>
+                <a:prstGeom prst="rect">
+                  <a:avLst/>
+                </a:prstGeom>
+                <a:noFill/>
+                <a:ln>
+                  <a:noFill/>
+                </a:ln>
+              </p:spPr>
+              <p:txBody>
+                <a:bodyPr wrap="square" rtlCol="0">
+                  <a:spAutoFit/>
+                </a:bodyPr>
+                <a:lstStyle/>
+                <a:p>
+                  <a:r>
+                    <a:rPr kumimoji="1" lang="en-US" altLang="ja-JP" sz="1800" dirty="0" smtClean="0">
+                      <a:latin typeface="Arial Narrow" charset="0"/>
+                      <a:ea typeface="Arial Narrow" charset="0"/>
+                      <a:cs typeface="Arial Narrow" charset="0"/>
+                    </a:rPr>
+                    <a:t>Pod1</a:t>
+                  </a:r>
+                  <a:endParaRPr kumimoji="1" lang="ja-JP" altLang="en-US" sz="1800" dirty="0">
+                    <a:latin typeface="Arial Narrow" charset="0"/>
+                    <a:ea typeface="Arial Narrow" charset="0"/>
+                    <a:cs typeface="Arial Narrow" charset="0"/>
+                  </a:endParaRPr>
+                </a:p>
+              </p:txBody>
+            </p:sp>
+            <p:sp>
+              <p:nvSpPr>
+                <p:cNvPr id="176" name="角丸四角形 175"/>
+                <p:cNvSpPr/>
+                <p:nvPr/>
+              </p:nvSpPr>
+              <p:spPr>
+                <a:xfrm>
+                  <a:off x="707529" y="5449903"/>
+                  <a:ext cx="1043400" cy="288000"/>
+                </a:xfrm>
+                <a:prstGeom prst="roundRect">
+                  <a:avLst/>
+                </a:prstGeom>
+                <a:ln w="9525">
+                  <a:solidFill>
+                    <a:schemeClr val="tx1"/>
+                  </a:solidFill>
+                </a:ln>
+              </p:spPr>
+              <p:style>
+                <a:lnRef idx="2">
+                  <a:schemeClr val="accent1">
+                    <a:shade val="50000"/>
+                  </a:schemeClr>
+                </a:lnRef>
+                <a:fillRef idx="1">
+                  <a:schemeClr val="accent1"/>
+                </a:fillRef>
+                <a:effectRef idx="0">
+                  <a:schemeClr val="accent1"/>
+                </a:effectRef>
+                <a:fontRef idx="minor">
+                  <a:schemeClr val="lt1"/>
+                </a:fontRef>
+              </p:style>
+              <p:txBody>
+                <a:bodyPr lIns="0" rIns="0" rtlCol="0" anchor="ctr"/>
+                <a:lstStyle/>
+                <a:p>
+                  <a:pPr algn="ctr"/>
+                  <a:r>
+                    <a:rPr kumimoji="1" lang="en-US" altLang="ja-JP" sz="1800" dirty="0" smtClean="0">
+                      <a:solidFill>
+                        <a:schemeClr val="tx1"/>
+                      </a:solidFill>
+                      <a:latin typeface="Arial Narrow" charset="0"/>
+                      <a:ea typeface="Arial Narrow" charset="0"/>
+                      <a:cs typeface="Arial Narrow" charset="0"/>
+                    </a:rPr>
+                    <a:t>Container1</a:t>
+                  </a:r>
+                  <a:endParaRPr kumimoji="1" lang="ja-JP" altLang="en-US" sz="1800" dirty="0">
+                    <a:solidFill>
+                      <a:schemeClr val="tx1"/>
+                    </a:solidFill>
+                    <a:latin typeface="Arial Narrow" charset="0"/>
+                    <a:ea typeface="Arial Narrow" charset="0"/>
+                    <a:cs typeface="Arial Narrow" charset="0"/>
+                  </a:endParaRPr>
+                </a:p>
+              </p:txBody>
+            </p:sp>
+            <p:sp>
+              <p:nvSpPr>
+                <p:cNvPr id="177" name="角丸四角形 176"/>
+                <p:cNvSpPr/>
+                <p:nvPr/>
+              </p:nvSpPr>
+              <p:spPr>
+                <a:xfrm>
+                  <a:off x="707529" y="5791605"/>
+                  <a:ext cx="1043400" cy="288000"/>
+                </a:xfrm>
+                <a:prstGeom prst="roundRect">
+                  <a:avLst/>
+                </a:prstGeom>
+                <a:ln w="9525">
+                  <a:solidFill>
+                    <a:schemeClr val="tx1"/>
+                  </a:solidFill>
+                </a:ln>
+              </p:spPr>
+              <p:style>
+                <a:lnRef idx="2">
+                  <a:schemeClr val="accent1">
+                    <a:shade val="50000"/>
+                  </a:schemeClr>
+                </a:lnRef>
+                <a:fillRef idx="1">
+                  <a:schemeClr val="accent1"/>
+                </a:fillRef>
+                <a:effectRef idx="0">
+                  <a:schemeClr val="accent1"/>
+                </a:effectRef>
+                <a:fontRef idx="minor">
+                  <a:schemeClr val="lt1"/>
+                </a:fontRef>
+              </p:style>
+              <p:txBody>
+                <a:bodyPr lIns="0" rIns="0" rtlCol="0" anchor="ctr"/>
+                <a:lstStyle/>
+                <a:p>
+                  <a:pPr algn="ctr"/>
+                  <a:r>
+                    <a:rPr kumimoji="1" lang="en-US" altLang="ja-JP" sz="1800" smtClean="0">
+                      <a:solidFill>
+                        <a:schemeClr val="tx1"/>
+                      </a:solidFill>
+                      <a:latin typeface="Arial Narrow" charset="0"/>
+                      <a:ea typeface="Arial Narrow" charset="0"/>
+                      <a:cs typeface="Arial Narrow" charset="0"/>
+                    </a:rPr>
+                    <a:t>Container2</a:t>
+                  </a:r>
+                  <a:endParaRPr kumimoji="1" lang="ja-JP" altLang="en-US" sz="1800" dirty="0">
+                    <a:solidFill>
+                      <a:schemeClr val="tx1"/>
+                    </a:solidFill>
+                    <a:latin typeface="Arial Narrow" charset="0"/>
+                    <a:ea typeface="Arial Narrow" charset="0"/>
+                    <a:cs typeface="Arial Narrow" charset="0"/>
+                  </a:endParaRPr>
+                </a:p>
+              </p:txBody>
+            </p:sp>
+          </p:grpSp>
+          <p:grpSp>
+            <p:nvGrpSpPr>
+              <p:cNvPr id="179" name="図形グループ 178"/>
+              <p:cNvGrpSpPr/>
+              <p:nvPr/>
+            </p:nvGrpSpPr>
+            <p:grpSpPr>
+              <a:xfrm>
+                <a:off x="1860916" y="5132700"/>
+                <a:ext cx="1124917" cy="1089399"/>
+                <a:chOff x="666356" y="5128223"/>
+                <a:chExt cx="1124917" cy="1089399"/>
+              </a:xfrm>
+            </p:grpSpPr>
+            <p:sp>
+              <p:nvSpPr>
+                <p:cNvPr id="180" name="角丸四角形 179"/>
+                <p:cNvSpPr/>
+                <p:nvPr/>
+              </p:nvSpPr>
+              <p:spPr>
+                <a:xfrm>
+                  <a:off x="668781" y="5128223"/>
+                  <a:ext cx="1122492" cy="1089399"/>
+                </a:xfrm>
+                <a:prstGeom prst="roundRect">
+                  <a:avLst/>
+                </a:prstGeom>
+                <a:solidFill>
+                  <a:schemeClr val="accent1"/>
+                </a:solidFill>
+                <a:ln w="12700">
+                  <a:solidFill>
+                    <a:schemeClr val="tx1"/>
+                  </a:solidFill>
+                </a:ln>
+              </p:spPr>
+              <p:style>
+                <a:lnRef idx="2">
+                  <a:schemeClr val="accent1">
+                    <a:shade val="50000"/>
+                  </a:schemeClr>
+                </a:lnRef>
+                <a:fillRef idx="1">
+                  <a:schemeClr val="accent1"/>
+                </a:fillRef>
+                <a:effectRef idx="0">
+                  <a:schemeClr val="accent1"/>
+                </a:effectRef>
+                <a:fontRef idx="minor">
+                  <a:schemeClr val="lt1"/>
+                </a:fontRef>
+              </p:style>
+              <p:txBody>
+                <a:bodyPr rtlCol="0" anchor="ctr"/>
+                <a:lstStyle/>
+                <a:p>
+                  <a:pPr algn="ctr"/>
+                  <a:endParaRPr kumimoji="1" lang="ja-JP" altLang="en-US" sz="1800"/>
+                </a:p>
+              </p:txBody>
+            </p:sp>
+            <p:sp>
+              <p:nvSpPr>
+                <p:cNvPr id="181" name="テキスト ボックス 180"/>
+                <p:cNvSpPr txBox="1"/>
+                <p:nvPr/>
+              </p:nvSpPr>
+              <p:spPr>
+                <a:xfrm>
+                  <a:off x="666356" y="5128224"/>
+                  <a:ext cx="626770" cy="369332"/>
+                </a:xfrm>
+                <a:prstGeom prst="rect">
+                  <a:avLst/>
+                </a:prstGeom>
+                <a:noFill/>
+                <a:ln>
+                  <a:noFill/>
+                </a:ln>
+              </p:spPr>
+              <p:txBody>
+                <a:bodyPr wrap="square" rtlCol="0">
+                  <a:spAutoFit/>
+                </a:bodyPr>
+                <a:lstStyle/>
+                <a:p>
+                  <a:r>
+                    <a:rPr kumimoji="1" lang="en-US" altLang="ja-JP" sz="1800" dirty="0" smtClean="0">
+                      <a:latin typeface="Arial Narrow" charset="0"/>
+                      <a:ea typeface="Arial Narrow" charset="0"/>
+                      <a:cs typeface="Arial Narrow" charset="0"/>
+                    </a:rPr>
+                    <a:t>Pod2</a:t>
+                  </a:r>
+                  <a:endParaRPr kumimoji="1" lang="ja-JP" altLang="en-US" sz="1800" dirty="0">
+                    <a:latin typeface="Arial Narrow" charset="0"/>
+                    <a:ea typeface="Arial Narrow" charset="0"/>
+                    <a:cs typeface="Arial Narrow" charset="0"/>
+                  </a:endParaRPr>
+                </a:p>
+              </p:txBody>
+            </p:sp>
+            <p:sp>
+              <p:nvSpPr>
+                <p:cNvPr id="182" name="角丸四角形 181"/>
+                <p:cNvSpPr/>
+                <p:nvPr/>
+              </p:nvSpPr>
+              <p:spPr>
+                <a:xfrm>
+                  <a:off x="707529" y="5449903"/>
+                  <a:ext cx="1043400" cy="288000"/>
+                </a:xfrm>
+                <a:prstGeom prst="roundRect">
+                  <a:avLst/>
+                </a:prstGeom>
+                <a:ln w="9525">
+                  <a:solidFill>
+                    <a:schemeClr val="tx1"/>
+                  </a:solidFill>
+                </a:ln>
+              </p:spPr>
+              <p:style>
+                <a:lnRef idx="2">
+                  <a:schemeClr val="accent1">
+                    <a:shade val="50000"/>
+                  </a:schemeClr>
+                </a:lnRef>
+                <a:fillRef idx="1">
+                  <a:schemeClr val="accent1"/>
+                </a:fillRef>
+                <a:effectRef idx="0">
+                  <a:schemeClr val="accent1"/>
+                </a:effectRef>
+                <a:fontRef idx="minor">
+                  <a:schemeClr val="lt1"/>
+                </a:fontRef>
+              </p:style>
+              <p:txBody>
+                <a:bodyPr lIns="0" rIns="0" rtlCol="0" anchor="ctr"/>
+                <a:lstStyle/>
+                <a:p>
+                  <a:pPr algn="ctr"/>
+                  <a:r>
+                    <a:rPr kumimoji="1" lang="en-US" altLang="ja-JP" sz="1800" dirty="0" smtClean="0">
+                      <a:solidFill>
+                        <a:schemeClr val="tx1"/>
+                      </a:solidFill>
+                      <a:latin typeface="Arial Narrow" charset="0"/>
+                      <a:ea typeface="Arial Narrow" charset="0"/>
+                      <a:cs typeface="Arial Narrow" charset="0"/>
+                    </a:rPr>
+                    <a:t>Container1</a:t>
+                  </a:r>
+                  <a:endParaRPr kumimoji="1" lang="ja-JP" altLang="en-US" sz="1800" dirty="0">
+                    <a:solidFill>
+                      <a:schemeClr val="tx1"/>
+                    </a:solidFill>
+                    <a:latin typeface="Arial Narrow" charset="0"/>
+                    <a:ea typeface="Arial Narrow" charset="0"/>
+                    <a:cs typeface="Arial Narrow" charset="0"/>
+                  </a:endParaRPr>
+                </a:p>
+              </p:txBody>
+            </p:sp>
+            <p:sp>
+              <p:nvSpPr>
+                <p:cNvPr id="183" name="角丸四角形 182"/>
+                <p:cNvSpPr/>
+                <p:nvPr/>
+              </p:nvSpPr>
+              <p:spPr>
+                <a:xfrm>
+                  <a:off x="707529" y="5791605"/>
+                  <a:ext cx="1043400" cy="288000"/>
+                </a:xfrm>
+                <a:prstGeom prst="roundRect">
+                  <a:avLst/>
+                </a:prstGeom>
+                <a:ln w="9525">
+                  <a:solidFill>
+                    <a:schemeClr val="tx1"/>
+                  </a:solidFill>
+                </a:ln>
+              </p:spPr>
+              <p:style>
+                <a:lnRef idx="2">
+                  <a:schemeClr val="accent1">
+                    <a:shade val="50000"/>
+                  </a:schemeClr>
+                </a:lnRef>
+                <a:fillRef idx="1">
+                  <a:schemeClr val="accent1"/>
+                </a:fillRef>
+                <a:effectRef idx="0">
+                  <a:schemeClr val="accent1"/>
+                </a:effectRef>
+                <a:fontRef idx="minor">
+                  <a:schemeClr val="lt1"/>
+                </a:fontRef>
+              </p:style>
+              <p:txBody>
+                <a:bodyPr lIns="0" rIns="0" rtlCol="0" anchor="ctr"/>
+                <a:lstStyle/>
+                <a:p>
+                  <a:pPr algn="ctr"/>
+                  <a:r>
+                    <a:rPr kumimoji="1" lang="en-US" altLang="ja-JP" sz="1800" smtClean="0">
+                      <a:solidFill>
+                        <a:schemeClr val="tx1"/>
+                      </a:solidFill>
+                      <a:latin typeface="Arial Narrow" charset="0"/>
+                      <a:ea typeface="Arial Narrow" charset="0"/>
+                      <a:cs typeface="Arial Narrow" charset="0"/>
+                    </a:rPr>
+                    <a:t>Container2</a:t>
+                  </a:r>
+                  <a:endParaRPr kumimoji="1" lang="ja-JP" altLang="en-US" sz="1800" dirty="0">
+                    <a:solidFill>
+                      <a:schemeClr val="tx1"/>
+                    </a:solidFill>
+                    <a:latin typeface="Arial Narrow" charset="0"/>
+                    <a:ea typeface="Arial Narrow" charset="0"/>
+                    <a:cs typeface="Arial Narrow" charset="0"/>
+                  </a:endParaRPr>
+                </a:p>
+              </p:txBody>
+            </p:sp>
+          </p:grpSp>
+        </p:grpSp>
+        <p:grpSp>
+          <p:nvGrpSpPr>
+            <p:cNvPr id="204" name="図形グループ 203"/>
+            <p:cNvGrpSpPr/>
+            <p:nvPr/>
+          </p:nvGrpSpPr>
+          <p:grpSpPr>
+            <a:xfrm>
+              <a:off x="3137304" y="3639781"/>
+              <a:ext cx="2502733" cy="1977785"/>
+              <a:chOff x="596814" y="4349056"/>
+              <a:chExt cx="2502733" cy="1977785"/>
+            </a:xfrm>
+          </p:grpSpPr>
+          <p:sp>
+            <p:nvSpPr>
+              <p:cNvPr id="205" name="正方形/長方形 204"/>
+              <p:cNvSpPr/>
+              <p:nvPr/>
+            </p:nvSpPr>
+            <p:spPr>
+              <a:xfrm>
+                <a:off x="596814" y="4349056"/>
+                <a:ext cx="2502733" cy="1977785"/>
+              </a:xfrm>
+              <a:prstGeom prst="rect">
+                <a:avLst/>
+              </a:prstGeom>
+              <a:solidFill>
+                <a:srgbClr val="80BED7">
+                  <a:alpha val="33000"/>
+                </a:srgbClr>
+              </a:solidFill>
+              <a:ln w="12700">
+                <a:solidFill>
+                  <a:schemeClr val="tx1"/>
+                </a:solidFill>
+              </a:ln>
+            </p:spPr>
+            <p:style>
+              <a:lnRef idx="2">
+                <a:schemeClr val="accent1">
+                  <a:shade val="50000"/>
+                </a:schemeClr>
+              </a:lnRef>
+              <a:fillRef idx="1">
+                <a:schemeClr val="accent1"/>
+              </a:fillRef>
+              <a:effectRef idx="0">
+                <a:schemeClr val="accent1"/>
+              </a:effectRef>
+              <a:fontRef idx="minor">
+                <a:schemeClr val="lt1"/>
+              </a:fontRef>
+            </p:style>
+            <p:txBody>
+              <a:bodyPr rtlCol="0" anchor="ctr"/>
+              <a:lstStyle/>
+              <a:p>
+                <a:pPr algn="ctr"/>
+                <a:endParaRPr kumimoji="1" lang="ja-JP" altLang="en-US" sz="1800"/>
+              </a:p>
+            </p:txBody>
+          </p:sp>
+          <p:sp>
+            <p:nvSpPr>
+              <p:cNvPr id="206" name="テキスト ボックス 205"/>
+              <p:cNvSpPr txBox="1"/>
+              <p:nvPr/>
+            </p:nvSpPr>
+            <p:spPr>
+              <a:xfrm>
+                <a:off x="669528" y="4389401"/>
+                <a:ext cx="559449" cy="276999"/>
+              </a:xfrm>
+              <a:prstGeom prst="rect">
+                <a:avLst/>
+              </a:prstGeom>
+              <a:noFill/>
+              <a:ln>
+                <a:noFill/>
+              </a:ln>
+            </p:spPr>
+            <p:txBody>
+              <a:bodyPr wrap="none" lIns="0" tIns="0" rIns="0" bIns="0" rtlCol="0">
+                <a:spAutoFit/>
+              </a:bodyPr>
+              <a:lstStyle/>
+              <a:p>
+                <a:r>
+                  <a:rPr kumimoji="1" lang="en-US" altLang="ja-JP" sz="1800" dirty="0" smtClean="0">
+                    <a:latin typeface="Arial Narrow" charset="0"/>
+                    <a:ea typeface="Arial Narrow" charset="0"/>
+                    <a:cs typeface="Arial Narrow" charset="0"/>
+                  </a:rPr>
+                  <a:t>Node2</a:t>
+                </a:r>
+                <a:endParaRPr kumimoji="1" lang="ja-JP" altLang="en-US" sz="1800" dirty="0">
+                  <a:latin typeface="Arial Narrow" charset="0"/>
+                  <a:ea typeface="Arial Narrow" charset="0"/>
+                  <a:cs typeface="Arial Narrow" charset="0"/>
+                </a:endParaRPr>
+              </a:p>
+            </p:txBody>
+          </p:sp>
+          <p:sp>
+            <p:nvSpPr>
+              <p:cNvPr id="207" name="角丸四角形 206"/>
+              <p:cNvSpPr/>
+              <p:nvPr/>
+            </p:nvSpPr>
+            <p:spPr>
+              <a:xfrm>
+                <a:off x="668878" y="4707010"/>
+                <a:ext cx="716169" cy="298690"/>
+              </a:xfrm>
+              <a:prstGeom prst="roundRect">
+                <a:avLst/>
+              </a:prstGeom>
+              <a:ln w="9525">
+                <a:solidFill>
+                  <a:schemeClr val="tx1"/>
+                </a:solidFill>
+              </a:ln>
+            </p:spPr>
+            <p:style>
+              <a:lnRef idx="2">
+                <a:schemeClr val="accent1">
+                  <a:shade val="50000"/>
+                </a:schemeClr>
+              </a:lnRef>
+              <a:fillRef idx="1">
+                <a:schemeClr val="accent1"/>
+              </a:fillRef>
+              <a:effectRef idx="0">
+                <a:schemeClr val="accent1"/>
+              </a:effectRef>
+              <a:fontRef idx="minor">
+                <a:schemeClr val="lt1"/>
+              </a:fontRef>
+            </p:style>
+            <p:txBody>
+              <a:bodyPr lIns="0" rIns="0" rtlCol="0" anchor="ctr"/>
+              <a:lstStyle/>
+              <a:p>
+                <a:pPr algn="ctr"/>
+                <a:r>
+                  <a:rPr kumimoji="1" lang="en-US" altLang="ja-JP" sz="1800" dirty="0" err="1">
+                    <a:solidFill>
+                      <a:schemeClr val="tx1"/>
+                    </a:solidFill>
+                    <a:latin typeface="Arial Narrow" charset="0"/>
+                    <a:ea typeface="Arial Narrow" charset="0"/>
+                    <a:cs typeface="Arial Narrow" charset="0"/>
+                  </a:rPr>
+                  <a:t>K</a:t>
+                </a:r>
+                <a:r>
+                  <a:rPr kumimoji="1" lang="en-US" altLang="ja-JP" sz="1800" dirty="0" err="1" smtClean="0">
+                    <a:solidFill>
+                      <a:schemeClr val="tx1"/>
+                    </a:solidFill>
+                    <a:latin typeface="Arial Narrow" charset="0"/>
+                    <a:ea typeface="Arial Narrow" charset="0"/>
+                    <a:cs typeface="Arial Narrow" charset="0"/>
+                  </a:rPr>
+                  <a:t>ubelet</a:t>
+                </a:r>
+                <a:endParaRPr kumimoji="1" lang="ja-JP" altLang="en-US" sz="1800" dirty="0">
+                  <a:solidFill>
+                    <a:schemeClr val="tx1"/>
+                  </a:solidFill>
+                  <a:latin typeface="Arial Narrow" charset="0"/>
+                  <a:ea typeface="Arial Narrow" charset="0"/>
+                  <a:cs typeface="Arial Narrow" charset="0"/>
+                </a:endParaRPr>
+              </a:p>
+            </p:txBody>
+          </p:sp>
+          <p:sp>
+            <p:nvSpPr>
+              <p:cNvPr id="208" name="角丸四角形 207"/>
+              <p:cNvSpPr/>
+              <p:nvPr/>
+            </p:nvSpPr>
+            <p:spPr>
+              <a:xfrm>
+                <a:off x="1468789" y="4707331"/>
+                <a:ext cx="1517044" cy="295606"/>
+              </a:xfrm>
+              <a:prstGeom prst="roundRect">
+                <a:avLst/>
+              </a:prstGeom>
+              <a:ln w="9525">
+                <a:solidFill>
+                  <a:schemeClr val="tx1"/>
+                </a:solidFill>
+              </a:ln>
+            </p:spPr>
+            <p:style>
+              <a:lnRef idx="2">
+                <a:schemeClr val="accent1">
+                  <a:shade val="50000"/>
+                </a:schemeClr>
+              </a:lnRef>
+              <a:fillRef idx="1">
+                <a:schemeClr val="accent1"/>
+              </a:fillRef>
+              <a:effectRef idx="0">
+                <a:schemeClr val="accent1"/>
+              </a:effectRef>
+              <a:fontRef idx="minor">
+                <a:schemeClr val="lt1"/>
+              </a:fontRef>
+            </p:style>
+            <p:txBody>
+              <a:bodyPr lIns="0" rIns="0" rtlCol="0" anchor="ctr"/>
+              <a:lstStyle/>
+              <a:p>
+                <a:pPr algn="ctr"/>
+                <a:r>
+                  <a:rPr kumimoji="1" lang="en-US" altLang="ja-JP" sz="1800" dirty="0">
+                    <a:solidFill>
+                      <a:schemeClr val="tx1"/>
+                    </a:solidFill>
+                    <a:latin typeface="Arial Narrow" charset="0"/>
+                    <a:ea typeface="Arial Narrow" charset="0"/>
+                    <a:cs typeface="Arial Narrow" charset="0"/>
+                  </a:rPr>
+                  <a:t>P</a:t>
+                </a:r>
+                <a:r>
+                  <a:rPr kumimoji="1" lang="en-US" altLang="ja-JP" sz="1800" dirty="0" smtClean="0">
+                    <a:solidFill>
+                      <a:schemeClr val="tx1"/>
+                    </a:solidFill>
+                    <a:latin typeface="Arial Narrow" charset="0"/>
+                    <a:ea typeface="Arial Narrow" charset="0"/>
+                    <a:cs typeface="Arial Narrow" charset="0"/>
+                  </a:rPr>
+                  <a:t>roxy </a:t>
+                </a:r>
+                <a:r>
+                  <a:rPr kumimoji="1" lang="en-US" altLang="ja-JP" sz="1800" dirty="0">
+                    <a:solidFill>
+                      <a:schemeClr val="tx1"/>
+                    </a:solidFill>
+                    <a:latin typeface="Arial Narrow" charset="0"/>
+                    <a:ea typeface="Arial Narrow" charset="0"/>
+                    <a:cs typeface="Arial Narrow" charset="0"/>
+                    <a:sym typeface="Wingdings"/>
+                  </a:rPr>
+                  <a:t>(</a:t>
+                </a:r>
+                <a:r>
+                  <a:rPr kumimoji="1" lang="en-US" altLang="ja-JP" sz="1800" dirty="0" err="1" smtClean="0">
+                    <a:solidFill>
+                      <a:schemeClr val="tx1"/>
+                    </a:solidFill>
+                    <a:latin typeface="Arial Narrow" charset="0"/>
+                    <a:ea typeface="Arial Narrow" charset="0"/>
+                    <a:cs typeface="Arial Narrow" charset="0"/>
+                  </a:rPr>
+                  <a:t>iptables</a:t>
+                </a:r>
+                <a:r>
+                  <a:rPr kumimoji="1" lang="en-US" altLang="ja-JP" sz="1800" dirty="0" smtClean="0">
+                    <a:solidFill>
+                      <a:schemeClr val="tx1"/>
+                    </a:solidFill>
+                    <a:latin typeface="Arial Narrow" charset="0"/>
+                    <a:ea typeface="Arial Narrow" charset="0"/>
+                    <a:cs typeface="Arial Narrow" charset="0"/>
+                  </a:rPr>
+                  <a:t>)</a:t>
+                </a:r>
+                <a:endParaRPr kumimoji="1" lang="ja-JP" altLang="en-US" sz="1800" dirty="0">
+                  <a:solidFill>
+                    <a:schemeClr val="tx1"/>
+                  </a:solidFill>
+                  <a:latin typeface="Arial Narrow" charset="0"/>
+                  <a:ea typeface="Arial Narrow" charset="0"/>
+                  <a:cs typeface="Arial Narrow" charset="0"/>
+                </a:endParaRPr>
+              </a:p>
+            </p:txBody>
+          </p:sp>
+          <p:grpSp>
+            <p:nvGrpSpPr>
+              <p:cNvPr id="209" name="図形グループ 208"/>
+              <p:cNvGrpSpPr/>
+              <p:nvPr/>
+            </p:nvGrpSpPr>
+            <p:grpSpPr>
+              <a:xfrm>
+                <a:off x="666356" y="5128223"/>
+                <a:ext cx="1124917" cy="1089399"/>
+                <a:chOff x="666356" y="5128223"/>
+                <a:chExt cx="1124917" cy="1089399"/>
+              </a:xfrm>
+            </p:grpSpPr>
+            <p:sp>
+              <p:nvSpPr>
+                <p:cNvPr id="215" name="角丸四角形 214"/>
+                <p:cNvSpPr/>
+                <p:nvPr/>
+              </p:nvSpPr>
+              <p:spPr>
+                <a:xfrm>
+                  <a:off x="668781" y="5128223"/>
+                  <a:ext cx="1122492" cy="1089399"/>
+                </a:xfrm>
+                <a:prstGeom prst="roundRect">
+                  <a:avLst/>
+                </a:prstGeom>
+                <a:solidFill>
+                  <a:schemeClr val="accent1"/>
+                </a:solidFill>
+                <a:ln w="12700">
+                  <a:solidFill>
+                    <a:schemeClr val="tx1"/>
+                  </a:solidFill>
+                </a:ln>
+              </p:spPr>
+              <p:style>
+                <a:lnRef idx="2">
+                  <a:schemeClr val="accent1">
+                    <a:shade val="50000"/>
+                  </a:schemeClr>
+                </a:lnRef>
+                <a:fillRef idx="1">
+                  <a:schemeClr val="accent1"/>
+                </a:fillRef>
+                <a:effectRef idx="0">
+                  <a:schemeClr val="accent1"/>
+                </a:effectRef>
+                <a:fontRef idx="minor">
+                  <a:schemeClr val="lt1"/>
+                </a:fontRef>
+              </p:style>
+              <p:txBody>
+                <a:bodyPr rtlCol="0" anchor="ctr"/>
+                <a:lstStyle/>
+                <a:p>
+                  <a:pPr algn="ctr"/>
+                  <a:endParaRPr kumimoji="1" lang="ja-JP" altLang="en-US" sz="1800"/>
+                </a:p>
+              </p:txBody>
+            </p:sp>
+            <p:sp>
+              <p:nvSpPr>
+                <p:cNvPr id="216" name="テキスト ボックス 215"/>
+                <p:cNvSpPr txBox="1"/>
+                <p:nvPr/>
+              </p:nvSpPr>
+              <p:spPr>
+                <a:xfrm>
+                  <a:off x="666356" y="5128224"/>
+                  <a:ext cx="626770" cy="369332"/>
+                </a:xfrm>
+                <a:prstGeom prst="rect">
+                  <a:avLst/>
+                </a:prstGeom>
+                <a:noFill/>
+                <a:ln>
+                  <a:noFill/>
+                </a:ln>
+              </p:spPr>
+              <p:txBody>
+                <a:bodyPr wrap="square" rtlCol="0">
+                  <a:spAutoFit/>
+                </a:bodyPr>
+                <a:lstStyle/>
+                <a:p>
+                  <a:r>
+                    <a:rPr kumimoji="1" lang="en-US" altLang="ja-JP" sz="1800" dirty="0" smtClean="0">
+                      <a:latin typeface="Arial Narrow" charset="0"/>
+                      <a:ea typeface="Arial Narrow" charset="0"/>
+                      <a:cs typeface="Arial Narrow" charset="0"/>
+                    </a:rPr>
+                    <a:t>Pod1</a:t>
+                  </a:r>
+                  <a:endParaRPr kumimoji="1" lang="ja-JP" altLang="en-US" sz="1800" dirty="0">
+                    <a:latin typeface="Arial Narrow" charset="0"/>
+                    <a:ea typeface="Arial Narrow" charset="0"/>
+                    <a:cs typeface="Arial Narrow" charset="0"/>
+                  </a:endParaRPr>
+                </a:p>
+              </p:txBody>
+            </p:sp>
+            <p:sp>
+              <p:nvSpPr>
+                <p:cNvPr id="217" name="角丸四角形 216"/>
+                <p:cNvSpPr/>
+                <p:nvPr/>
+              </p:nvSpPr>
+              <p:spPr>
+                <a:xfrm>
+                  <a:off x="707529" y="5449903"/>
+                  <a:ext cx="1043400" cy="288000"/>
+                </a:xfrm>
+                <a:prstGeom prst="roundRect">
+                  <a:avLst/>
+                </a:prstGeom>
+                <a:ln w="9525">
+                  <a:solidFill>
+                    <a:schemeClr val="tx1"/>
+                  </a:solidFill>
+                </a:ln>
+              </p:spPr>
+              <p:style>
+                <a:lnRef idx="2">
+                  <a:schemeClr val="accent1">
+                    <a:shade val="50000"/>
+                  </a:schemeClr>
+                </a:lnRef>
+                <a:fillRef idx="1">
+                  <a:schemeClr val="accent1"/>
+                </a:fillRef>
+                <a:effectRef idx="0">
+                  <a:schemeClr val="accent1"/>
+                </a:effectRef>
+                <a:fontRef idx="minor">
+                  <a:schemeClr val="lt1"/>
+                </a:fontRef>
+              </p:style>
+              <p:txBody>
+                <a:bodyPr lIns="0" rIns="0" rtlCol="0" anchor="ctr"/>
+                <a:lstStyle/>
+                <a:p>
+                  <a:pPr algn="ctr"/>
+                  <a:r>
+                    <a:rPr kumimoji="1" lang="en-US" altLang="ja-JP" sz="1800" dirty="0" smtClean="0">
+                      <a:solidFill>
+                        <a:schemeClr val="tx1"/>
+                      </a:solidFill>
+                      <a:latin typeface="Arial Narrow" charset="0"/>
+                      <a:ea typeface="Arial Narrow" charset="0"/>
+                      <a:cs typeface="Arial Narrow" charset="0"/>
+                    </a:rPr>
+                    <a:t>Container1</a:t>
+                  </a:r>
+                  <a:endParaRPr kumimoji="1" lang="ja-JP" altLang="en-US" sz="1800" dirty="0">
+                    <a:solidFill>
+                      <a:schemeClr val="tx1"/>
+                    </a:solidFill>
+                    <a:latin typeface="Arial Narrow" charset="0"/>
+                    <a:ea typeface="Arial Narrow" charset="0"/>
+                    <a:cs typeface="Arial Narrow" charset="0"/>
+                  </a:endParaRPr>
+                </a:p>
+              </p:txBody>
+            </p:sp>
+            <p:sp>
+              <p:nvSpPr>
+                <p:cNvPr id="218" name="角丸四角形 217"/>
+                <p:cNvSpPr/>
+                <p:nvPr/>
+              </p:nvSpPr>
+              <p:spPr>
+                <a:xfrm>
+                  <a:off x="707529" y="5791605"/>
+                  <a:ext cx="1043400" cy="288000"/>
+                </a:xfrm>
+                <a:prstGeom prst="roundRect">
+                  <a:avLst/>
+                </a:prstGeom>
+                <a:ln w="9525">
+                  <a:solidFill>
+                    <a:schemeClr val="tx1"/>
+                  </a:solidFill>
+                </a:ln>
+              </p:spPr>
+              <p:style>
+                <a:lnRef idx="2">
+                  <a:schemeClr val="accent1">
+                    <a:shade val="50000"/>
+                  </a:schemeClr>
+                </a:lnRef>
+                <a:fillRef idx="1">
+                  <a:schemeClr val="accent1"/>
+                </a:fillRef>
+                <a:effectRef idx="0">
+                  <a:schemeClr val="accent1"/>
+                </a:effectRef>
+                <a:fontRef idx="minor">
+                  <a:schemeClr val="lt1"/>
+                </a:fontRef>
+              </p:style>
+              <p:txBody>
+                <a:bodyPr lIns="0" rIns="0" rtlCol="0" anchor="ctr"/>
+                <a:lstStyle/>
+                <a:p>
+                  <a:pPr algn="ctr"/>
+                  <a:r>
+                    <a:rPr kumimoji="1" lang="en-US" altLang="ja-JP" sz="1800" smtClean="0">
+                      <a:solidFill>
+                        <a:schemeClr val="tx1"/>
+                      </a:solidFill>
+                      <a:latin typeface="Arial Narrow" charset="0"/>
+                      <a:ea typeface="Arial Narrow" charset="0"/>
+                      <a:cs typeface="Arial Narrow" charset="0"/>
+                    </a:rPr>
+                    <a:t>Container2</a:t>
+                  </a:r>
+                  <a:endParaRPr kumimoji="1" lang="ja-JP" altLang="en-US" sz="1800" dirty="0">
+                    <a:solidFill>
+                      <a:schemeClr val="tx1"/>
+                    </a:solidFill>
+                    <a:latin typeface="Arial Narrow" charset="0"/>
+                    <a:ea typeface="Arial Narrow" charset="0"/>
+                    <a:cs typeface="Arial Narrow" charset="0"/>
+                  </a:endParaRPr>
+                </a:p>
+              </p:txBody>
+            </p:sp>
+          </p:grpSp>
+          <p:grpSp>
+            <p:nvGrpSpPr>
+              <p:cNvPr id="210" name="図形グループ 209"/>
+              <p:cNvGrpSpPr/>
+              <p:nvPr/>
+            </p:nvGrpSpPr>
+            <p:grpSpPr>
+              <a:xfrm>
+                <a:off x="1860916" y="5132700"/>
+                <a:ext cx="1124917" cy="1089399"/>
+                <a:chOff x="666356" y="5128223"/>
+                <a:chExt cx="1124917" cy="1089399"/>
+              </a:xfrm>
+            </p:grpSpPr>
+            <p:sp>
+              <p:nvSpPr>
+                <p:cNvPr id="211" name="角丸四角形 210"/>
+                <p:cNvSpPr/>
+                <p:nvPr/>
+              </p:nvSpPr>
+              <p:spPr>
+                <a:xfrm>
+                  <a:off x="668781" y="5128223"/>
+                  <a:ext cx="1122492" cy="1089399"/>
+                </a:xfrm>
+                <a:prstGeom prst="roundRect">
+                  <a:avLst/>
+                </a:prstGeom>
+                <a:solidFill>
+                  <a:schemeClr val="accent1"/>
+                </a:solidFill>
+                <a:ln w="12700">
+                  <a:solidFill>
+                    <a:schemeClr val="tx1"/>
+                  </a:solidFill>
+                </a:ln>
+              </p:spPr>
+              <p:style>
+                <a:lnRef idx="2">
+                  <a:schemeClr val="accent1">
+                    <a:shade val="50000"/>
+                  </a:schemeClr>
+                </a:lnRef>
+                <a:fillRef idx="1">
+                  <a:schemeClr val="accent1"/>
+                </a:fillRef>
+                <a:effectRef idx="0">
+                  <a:schemeClr val="accent1"/>
+                </a:effectRef>
+                <a:fontRef idx="minor">
+                  <a:schemeClr val="lt1"/>
+                </a:fontRef>
+              </p:style>
+              <p:txBody>
+                <a:bodyPr rtlCol="0" anchor="ctr"/>
+                <a:lstStyle/>
+                <a:p>
+                  <a:pPr algn="ctr"/>
+                  <a:endParaRPr kumimoji="1" lang="ja-JP" altLang="en-US" sz="1800"/>
+                </a:p>
+              </p:txBody>
+            </p:sp>
+            <p:sp>
+              <p:nvSpPr>
+                <p:cNvPr id="212" name="テキスト ボックス 211"/>
+                <p:cNvSpPr txBox="1"/>
+                <p:nvPr/>
+              </p:nvSpPr>
+              <p:spPr>
+                <a:xfrm>
+                  <a:off x="666356" y="5128224"/>
+                  <a:ext cx="626770" cy="369332"/>
+                </a:xfrm>
+                <a:prstGeom prst="rect">
+                  <a:avLst/>
+                </a:prstGeom>
+                <a:noFill/>
+                <a:ln>
+                  <a:noFill/>
+                </a:ln>
+              </p:spPr>
+              <p:txBody>
+                <a:bodyPr wrap="square" rtlCol="0">
+                  <a:spAutoFit/>
+                </a:bodyPr>
+                <a:lstStyle/>
+                <a:p>
+                  <a:r>
+                    <a:rPr kumimoji="1" lang="en-US" altLang="ja-JP" sz="1800" dirty="0" smtClean="0">
+                      <a:latin typeface="Arial Narrow" charset="0"/>
+                      <a:ea typeface="Arial Narrow" charset="0"/>
+                      <a:cs typeface="Arial Narrow" charset="0"/>
+                    </a:rPr>
+                    <a:t>Pod2</a:t>
+                  </a:r>
+                  <a:endParaRPr kumimoji="1" lang="ja-JP" altLang="en-US" sz="1800" dirty="0">
+                    <a:latin typeface="Arial Narrow" charset="0"/>
+                    <a:ea typeface="Arial Narrow" charset="0"/>
+                    <a:cs typeface="Arial Narrow" charset="0"/>
+                  </a:endParaRPr>
+                </a:p>
+              </p:txBody>
+            </p:sp>
+            <p:sp>
+              <p:nvSpPr>
+                <p:cNvPr id="213" name="角丸四角形 212"/>
+                <p:cNvSpPr/>
+                <p:nvPr/>
+              </p:nvSpPr>
+              <p:spPr>
+                <a:xfrm>
+                  <a:off x="707529" y="5449903"/>
+                  <a:ext cx="1043400" cy="288000"/>
+                </a:xfrm>
+                <a:prstGeom prst="roundRect">
+                  <a:avLst/>
+                </a:prstGeom>
+                <a:ln w="9525">
+                  <a:solidFill>
+                    <a:schemeClr val="tx1"/>
+                  </a:solidFill>
+                </a:ln>
+              </p:spPr>
+              <p:style>
+                <a:lnRef idx="2">
+                  <a:schemeClr val="accent1">
+                    <a:shade val="50000"/>
+                  </a:schemeClr>
+                </a:lnRef>
+                <a:fillRef idx="1">
+                  <a:schemeClr val="accent1"/>
+                </a:fillRef>
+                <a:effectRef idx="0">
+                  <a:schemeClr val="accent1"/>
+                </a:effectRef>
+                <a:fontRef idx="minor">
+                  <a:schemeClr val="lt1"/>
+                </a:fontRef>
+              </p:style>
+              <p:txBody>
+                <a:bodyPr lIns="0" rIns="0" rtlCol="0" anchor="ctr"/>
+                <a:lstStyle/>
+                <a:p>
+                  <a:pPr algn="ctr"/>
+                  <a:r>
+                    <a:rPr kumimoji="1" lang="en-US" altLang="ja-JP" sz="1800" dirty="0" smtClean="0">
+                      <a:solidFill>
+                        <a:schemeClr val="tx1"/>
+                      </a:solidFill>
+                      <a:latin typeface="Arial Narrow" charset="0"/>
+                      <a:ea typeface="Arial Narrow" charset="0"/>
+                      <a:cs typeface="Arial Narrow" charset="0"/>
+                    </a:rPr>
+                    <a:t>Container1</a:t>
+                  </a:r>
+                  <a:endParaRPr kumimoji="1" lang="ja-JP" altLang="en-US" sz="1800" dirty="0">
+                    <a:solidFill>
+                      <a:schemeClr val="tx1"/>
+                    </a:solidFill>
+                    <a:latin typeface="Arial Narrow" charset="0"/>
+                    <a:ea typeface="Arial Narrow" charset="0"/>
+                    <a:cs typeface="Arial Narrow" charset="0"/>
+                  </a:endParaRPr>
+                </a:p>
+              </p:txBody>
+            </p:sp>
+            <p:sp>
+              <p:nvSpPr>
+                <p:cNvPr id="214" name="角丸四角形 213"/>
+                <p:cNvSpPr/>
+                <p:nvPr/>
+              </p:nvSpPr>
+              <p:spPr>
+                <a:xfrm>
+                  <a:off x="707529" y="5791605"/>
+                  <a:ext cx="1043400" cy="288000"/>
+                </a:xfrm>
+                <a:prstGeom prst="roundRect">
+                  <a:avLst/>
+                </a:prstGeom>
+                <a:ln w="9525">
+                  <a:solidFill>
+                    <a:schemeClr val="tx1"/>
+                  </a:solidFill>
+                </a:ln>
+              </p:spPr>
+              <p:style>
+                <a:lnRef idx="2">
+                  <a:schemeClr val="accent1">
+                    <a:shade val="50000"/>
+                  </a:schemeClr>
+                </a:lnRef>
+                <a:fillRef idx="1">
+                  <a:schemeClr val="accent1"/>
+                </a:fillRef>
+                <a:effectRef idx="0">
+                  <a:schemeClr val="accent1"/>
+                </a:effectRef>
+                <a:fontRef idx="minor">
+                  <a:schemeClr val="lt1"/>
+                </a:fontRef>
+              </p:style>
+              <p:txBody>
+                <a:bodyPr lIns="0" rIns="0" rtlCol="0" anchor="ctr"/>
+                <a:lstStyle/>
+                <a:p>
+                  <a:pPr algn="ctr"/>
+                  <a:r>
+                    <a:rPr kumimoji="1" lang="en-US" altLang="ja-JP" sz="1800" smtClean="0">
+                      <a:solidFill>
+                        <a:schemeClr val="tx1"/>
+                      </a:solidFill>
+                      <a:latin typeface="Arial Narrow" charset="0"/>
+                      <a:ea typeface="Arial Narrow" charset="0"/>
+                      <a:cs typeface="Arial Narrow" charset="0"/>
+                    </a:rPr>
+                    <a:t>Container2</a:t>
+                  </a:r>
+                  <a:endParaRPr kumimoji="1" lang="ja-JP" altLang="en-US" sz="1800" dirty="0">
+                    <a:solidFill>
+                      <a:schemeClr val="tx1"/>
+                    </a:solidFill>
+                    <a:latin typeface="Arial Narrow" charset="0"/>
+                    <a:ea typeface="Arial Narrow" charset="0"/>
+                    <a:cs typeface="Arial Narrow" charset="0"/>
+                  </a:endParaRPr>
+                </a:p>
+              </p:txBody>
+            </p:sp>
+          </p:grpSp>
+        </p:grpSp>
+        <p:grpSp>
+          <p:nvGrpSpPr>
+            <p:cNvPr id="219" name="図形グループ 218"/>
+            <p:cNvGrpSpPr/>
+            <p:nvPr/>
+          </p:nvGrpSpPr>
+          <p:grpSpPr>
+            <a:xfrm>
+              <a:off x="6055483" y="3637856"/>
+              <a:ext cx="2502733" cy="1977785"/>
+              <a:chOff x="596814" y="4349056"/>
+              <a:chExt cx="2502733" cy="1977785"/>
+            </a:xfrm>
+          </p:grpSpPr>
+          <p:sp>
+            <p:nvSpPr>
+              <p:cNvPr id="220" name="正方形/長方形 219"/>
+              <p:cNvSpPr/>
+              <p:nvPr/>
+            </p:nvSpPr>
+            <p:spPr>
+              <a:xfrm>
+                <a:off x="596814" y="4349056"/>
+                <a:ext cx="2502733" cy="1977785"/>
+              </a:xfrm>
+              <a:prstGeom prst="rect">
+                <a:avLst/>
+              </a:prstGeom>
+              <a:solidFill>
+                <a:srgbClr val="80BED7">
+                  <a:alpha val="33000"/>
+                </a:srgbClr>
+              </a:solidFill>
+              <a:ln w="12700">
+                <a:solidFill>
+                  <a:schemeClr val="tx1"/>
+                </a:solidFill>
+              </a:ln>
+            </p:spPr>
+            <p:style>
+              <a:lnRef idx="2">
+                <a:schemeClr val="accent1">
+                  <a:shade val="50000"/>
+                </a:schemeClr>
+              </a:lnRef>
+              <a:fillRef idx="1">
+                <a:schemeClr val="accent1"/>
+              </a:fillRef>
+              <a:effectRef idx="0">
+                <a:schemeClr val="accent1"/>
+              </a:effectRef>
+              <a:fontRef idx="minor">
+                <a:schemeClr val="lt1"/>
+              </a:fontRef>
+            </p:style>
+            <p:txBody>
+              <a:bodyPr rtlCol="0" anchor="ctr"/>
+              <a:lstStyle/>
+              <a:p>
+                <a:pPr algn="ctr"/>
+                <a:endParaRPr kumimoji="1" lang="ja-JP" altLang="en-US" sz="1800"/>
+              </a:p>
+            </p:txBody>
+          </p:sp>
+          <p:sp>
+            <p:nvSpPr>
+              <p:cNvPr id="221" name="テキスト ボックス 220"/>
+              <p:cNvSpPr txBox="1"/>
+              <p:nvPr/>
+            </p:nvSpPr>
+            <p:spPr>
+              <a:xfrm>
+                <a:off x="669528" y="4389401"/>
+                <a:ext cx="833562" cy="276999"/>
+              </a:xfrm>
+              <a:prstGeom prst="rect">
+                <a:avLst/>
+              </a:prstGeom>
+              <a:noFill/>
+              <a:ln>
+                <a:noFill/>
+              </a:ln>
+            </p:spPr>
+            <p:txBody>
+              <a:bodyPr wrap="none" lIns="0" tIns="0" rIns="0" bIns="0" rtlCol="0">
+                <a:spAutoFit/>
+              </a:bodyPr>
+              <a:lstStyle/>
+              <a:p>
+                <a:r>
+                  <a:rPr kumimoji="1" lang="en-US" altLang="ja-JP" sz="1800" dirty="0" smtClean="0">
+                    <a:latin typeface="Arial Narrow" charset="0"/>
+                    <a:ea typeface="Arial Narrow" charset="0"/>
+                    <a:cs typeface="Arial Narrow" charset="0"/>
+                  </a:rPr>
+                  <a:t>Node &lt;n&gt;</a:t>
+                </a:r>
+                <a:endParaRPr kumimoji="1" lang="ja-JP" altLang="en-US" sz="1800" dirty="0">
+                  <a:latin typeface="Arial Narrow" charset="0"/>
+                  <a:ea typeface="Arial Narrow" charset="0"/>
+                  <a:cs typeface="Arial Narrow" charset="0"/>
+                </a:endParaRPr>
+              </a:p>
+            </p:txBody>
+          </p:sp>
+          <p:sp>
+            <p:nvSpPr>
+              <p:cNvPr id="222" name="角丸四角形 221"/>
+              <p:cNvSpPr/>
+              <p:nvPr/>
+            </p:nvSpPr>
+            <p:spPr>
+              <a:xfrm>
+                <a:off x="668878" y="4707010"/>
+                <a:ext cx="716169" cy="298690"/>
+              </a:xfrm>
+              <a:prstGeom prst="roundRect">
+                <a:avLst/>
+              </a:prstGeom>
+              <a:ln w="9525">
+                <a:solidFill>
+                  <a:schemeClr val="tx1"/>
+                </a:solidFill>
+              </a:ln>
+            </p:spPr>
+            <p:style>
+              <a:lnRef idx="2">
+                <a:schemeClr val="accent1">
+                  <a:shade val="50000"/>
+                </a:schemeClr>
+              </a:lnRef>
+              <a:fillRef idx="1">
+                <a:schemeClr val="accent1"/>
+              </a:fillRef>
+              <a:effectRef idx="0">
+                <a:schemeClr val="accent1"/>
+              </a:effectRef>
+              <a:fontRef idx="minor">
+                <a:schemeClr val="lt1"/>
+              </a:fontRef>
+            </p:style>
+            <p:txBody>
+              <a:bodyPr lIns="0" rIns="0" rtlCol="0" anchor="ctr"/>
+              <a:lstStyle/>
+              <a:p>
+                <a:pPr algn="ctr"/>
+                <a:r>
+                  <a:rPr kumimoji="1" lang="en-US" altLang="ja-JP" sz="1800" dirty="0" err="1">
+                    <a:solidFill>
+                      <a:schemeClr val="tx1"/>
+                    </a:solidFill>
+                    <a:latin typeface="Arial Narrow" charset="0"/>
+                    <a:ea typeface="Arial Narrow" charset="0"/>
+                    <a:cs typeface="Arial Narrow" charset="0"/>
+                  </a:rPr>
+                  <a:t>K</a:t>
+                </a:r>
+                <a:r>
+                  <a:rPr kumimoji="1" lang="en-US" altLang="ja-JP" sz="1800" dirty="0" err="1" smtClean="0">
+                    <a:solidFill>
+                      <a:schemeClr val="tx1"/>
+                    </a:solidFill>
+                    <a:latin typeface="Arial Narrow" charset="0"/>
+                    <a:ea typeface="Arial Narrow" charset="0"/>
+                    <a:cs typeface="Arial Narrow" charset="0"/>
+                  </a:rPr>
+                  <a:t>ubelet</a:t>
+                </a:r>
+                <a:endParaRPr kumimoji="1" lang="ja-JP" altLang="en-US" sz="1800" dirty="0">
+                  <a:solidFill>
+                    <a:schemeClr val="tx1"/>
+                  </a:solidFill>
+                  <a:latin typeface="Arial Narrow" charset="0"/>
+                  <a:ea typeface="Arial Narrow" charset="0"/>
+                  <a:cs typeface="Arial Narrow" charset="0"/>
+                </a:endParaRPr>
+              </a:p>
+            </p:txBody>
+          </p:sp>
+          <p:sp>
+            <p:nvSpPr>
+              <p:cNvPr id="223" name="角丸四角形 222"/>
+              <p:cNvSpPr/>
+              <p:nvPr/>
+            </p:nvSpPr>
+            <p:spPr>
+              <a:xfrm>
+                <a:off x="1468789" y="4707331"/>
+                <a:ext cx="1517044" cy="295606"/>
+              </a:xfrm>
+              <a:prstGeom prst="roundRect">
+                <a:avLst/>
+              </a:prstGeom>
+              <a:ln w="9525">
+                <a:solidFill>
+                  <a:schemeClr val="tx1"/>
+                </a:solidFill>
+              </a:ln>
+            </p:spPr>
+            <p:style>
+              <a:lnRef idx="2">
+                <a:schemeClr val="accent1">
+                  <a:shade val="50000"/>
+                </a:schemeClr>
+              </a:lnRef>
+              <a:fillRef idx="1">
+                <a:schemeClr val="accent1"/>
+              </a:fillRef>
+              <a:effectRef idx="0">
+                <a:schemeClr val="accent1"/>
+              </a:effectRef>
+              <a:fontRef idx="minor">
+                <a:schemeClr val="lt1"/>
+              </a:fontRef>
+            </p:style>
+            <p:txBody>
+              <a:bodyPr lIns="0" rIns="0" rtlCol="0" anchor="ctr"/>
+              <a:lstStyle/>
+              <a:p>
+                <a:pPr algn="ctr"/>
+                <a:r>
+                  <a:rPr kumimoji="1" lang="en-US" altLang="ja-JP" sz="1800" dirty="0">
+                    <a:solidFill>
+                      <a:schemeClr val="tx1"/>
+                    </a:solidFill>
+                    <a:latin typeface="Arial Narrow" charset="0"/>
+                    <a:ea typeface="Arial Narrow" charset="0"/>
+                    <a:cs typeface="Arial Narrow" charset="0"/>
+                  </a:rPr>
+                  <a:t>P</a:t>
+                </a:r>
+                <a:r>
+                  <a:rPr kumimoji="1" lang="en-US" altLang="ja-JP" sz="1800" dirty="0" smtClean="0">
+                    <a:solidFill>
+                      <a:schemeClr val="tx1"/>
+                    </a:solidFill>
+                    <a:latin typeface="Arial Narrow" charset="0"/>
+                    <a:ea typeface="Arial Narrow" charset="0"/>
+                    <a:cs typeface="Arial Narrow" charset="0"/>
+                  </a:rPr>
+                  <a:t>roxy </a:t>
+                </a:r>
+                <a:r>
+                  <a:rPr kumimoji="1" lang="en-US" altLang="ja-JP" sz="1800" dirty="0" smtClean="0">
+                    <a:solidFill>
+                      <a:schemeClr val="tx1"/>
+                    </a:solidFill>
+                    <a:latin typeface="Arial Narrow" charset="0"/>
+                    <a:ea typeface="Arial Narrow" charset="0"/>
+                    <a:cs typeface="Arial Narrow" charset="0"/>
+                    <a:sym typeface="Wingdings"/>
+                  </a:rPr>
+                  <a:t>(</a:t>
+                </a:r>
+                <a:r>
+                  <a:rPr kumimoji="1" lang="en-US" altLang="ja-JP" sz="1800" dirty="0" err="1" smtClean="0">
+                    <a:solidFill>
+                      <a:schemeClr val="tx1"/>
+                    </a:solidFill>
+                    <a:latin typeface="Arial Narrow" charset="0"/>
+                    <a:ea typeface="Arial Narrow" charset="0"/>
+                    <a:cs typeface="Arial Narrow" charset="0"/>
+                  </a:rPr>
+                  <a:t>iptables</a:t>
+                </a:r>
+                <a:r>
+                  <a:rPr kumimoji="1" lang="en-US" altLang="ja-JP" sz="1800" dirty="0" smtClean="0">
+                    <a:solidFill>
+                      <a:schemeClr val="tx1"/>
+                    </a:solidFill>
+                    <a:latin typeface="Arial Narrow" charset="0"/>
+                    <a:ea typeface="Arial Narrow" charset="0"/>
+                    <a:cs typeface="Arial Narrow" charset="0"/>
+                  </a:rPr>
+                  <a:t>)</a:t>
+                </a:r>
+                <a:endParaRPr kumimoji="1" lang="ja-JP" altLang="en-US" sz="1800" dirty="0">
+                  <a:solidFill>
+                    <a:schemeClr val="tx1"/>
+                  </a:solidFill>
+                  <a:latin typeface="Arial Narrow" charset="0"/>
+                  <a:ea typeface="Arial Narrow" charset="0"/>
+                  <a:cs typeface="Arial Narrow" charset="0"/>
+                </a:endParaRPr>
+              </a:p>
+            </p:txBody>
+          </p:sp>
+          <p:grpSp>
+            <p:nvGrpSpPr>
+              <p:cNvPr id="224" name="図形グループ 223"/>
+              <p:cNvGrpSpPr/>
+              <p:nvPr/>
+            </p:nvGrpSpPr>
+            <p:grpSpPr>
+              <a:xfrm>
+                <a:off x="666356" y="5128223"/>
+                <a:ext cx="1124917" cy="1089399"/>
+                <a:chOff x="666356" y="5128223"/>
+                <a:chExt cx="1124917" cy="1089399"/>
+              </a:xfrm>
+            </p:grpSpPr>
+            <p:sp>
+              <p:nvSpPr>
+                <p:cNvPr id="230" name="角丸四角形 229"/>
+                <p:cNvSpPr/>
+                <p:nvPr/>
+              </p:nvSpPr>
+              <p:spPr>
+                <a:xfrm>
+                  <a:off x="668781" y="5128223"/>
+                  <a:ext cx="1122492" cy="1089399"/>
+                </a:xfrm>
+                <a:prstGeom prst="roundRect">
+                  <a:avLst/>
+                </a:prstGeom>
+                <a:solidFill>
+                  <a:schemeClr val="accent1"/>
+                </a:solidFill>
+                <a:ln w="12700">
+                  <a:solidFill>
+                    <a:schemeClr val="tx1"/>
+                  </a:solidFill>
+                </a:ln>
+              </p:spPr>
+              <p:style>
+                <a:lnRef idx="2">
+                  <a:schemeClr val="accent1">
+                    <a:shade val="50000"/>
+                  </a:schemeClr>
+                </a:lnRef>
+                <a:fillRef idx="1">
+                  <a:schemeClr val="accent1"/>
+                </a:fillRef>
+                <a:effectRef idx="0">
+                  <a:schemeClr val="accent1"/>
+                </a:effectRef>
+                <a:fontRef idx="minor">
+                  <a:schemeClr val="lt1"/>
+                </a:fontRef>
+              </p:style>
+              <p:txBody>
+                <a:bodyPr rtlCol="0" anchor="ctr"/>
+                <a:lstStyle/>
+                <a:p>
+                  <a:pPr algn="ctr"/>
+                  <a:endParaRPr kumimoji="1" lang="ja-JP" altLang="en-US" sz="1800"/>
+                </a:p>
+              </p:txBody>
+            </p:sp>
+            <p:sp>
+              <p:nvSpPr>
+                <p:cNvPr id="231" name="テキスト ボックス 230"/>
+                <p:cNvSpPr txBox="1"/>
+                <p:nvPr/>
+              </p:nvSpPr>
+              <p:spPr>
+                <a:xfrm>
+                  <a:off x="666356" y="5128224"/>
+                  <a:ext cx="626770" cy="369332"/>
+                </a:xfrm>
+                <a:prstGeom prst="rect">
+                  <a:avLst/>
+                </a:prstGeom>
+                <a:noFill/>
+                <a:ln>
+                  <a:noFill/>
+                </a:ln>
+              </p:spPr>
+              <p:txBody>
+                <a:bodyPr wrap="square" rtlCol="0">
+                  <a:spAutoFit/>
+                </a:bodyPr>
+                <a:lstStyle/>
+                <a:p>
+                  <a:r>
+                    <a:rPr kumimoji="1" lang="en-US" altLang="ja-JP" sz="1800" dirty="0" smtClean="0">
+                      <a:latin typeface="Arial Narrow" charset="0"/>
+                      <a:ea typeface="Arial Narrow" charset="0"/>
+                      <a:cs typeface="Arial Narrow" charset="0"/>
+                    </a:rPr>
+                    <a:t>Pod1</a:t>
+                  </a:r>
+                  <a:endParaRPr kumimoji="1" lang="ja-JP" altLang="en-US" sz="1800" dirty="0">
+                    <a:latin typeface="Arial Narrow" charset="0"/>
+                    <a:ea typeface="Arial Narrow" charset="0"/>
+                    <a:cs typeface="Arial Narrow" charset="0"/>
+                  </a:endParaRPr>
+                </a:p>
+              </p:txBody>
+            </p:sp>
+            <p:sp>
+              <p:nvSpPr>
+                <p:cNvPr id="232" name="角丸四角形 231"/>
+                <p:cNvSpPr/>
+                <p:nvPr/>
+              </p:nvSpPr>
+              <p:spPr>
+                <a:xfrm>
+                  <a:off x="707529" y="5449903"/>
+                  <a:ext cx="1043400" cy="288000"/>
+                </a:xfrm>
+                <a:prstGeom prst="roundRect">
+                  <a:avLst/>
+                </a:prstGeom>
+                <a:ln w="9525">
+                  <a:solidFill>
+                    <a:schemeClr val="tx1"/>
+                  </a:solidFill>
+                </a:ln>
+              </p:spPr>
+              <p:style>
+                <a:lnRef idx="2">
+                  <a:schemeClr val="accent1">
+                    <a:shade val="50000"/>
+                  </a:schemeClr>
+                </a:lnRef>
+                <a:fillRef idx="1">
+                  <a:schemeClr val="accent1"/>
+                </a:fillRef>
+                <a:effectRef idx="0">
+                  <a:schemeClr val="accent1"/>
+                </a:effectRef>
+                <a:fontRef idx="minor">
+                  <a:schemeClr val="lt1"/>
+                </a:fontRef>
+              </p:style>
+              <p:txBody>
+                <a:bodyPr lIns="0" rIns="0" rtlCol="0" anchor="ctr"/>
+                <a:lstStyle/>
+                <a:p>
+                  <a:pPr algn="ctr"/>
+                  <a:r>
+                    <a:rPr kumimoji="1" lang="en-US" altLang="ja-JP" sz="1800" dirty="0" smtClean="0">
+                      <a:solidFill>
+                        <a:schemeClr val="tx1"/>
+                      </a:solidFill>
+                      <a:latin typeface="Arial Narrow" charset="0"/>
+                      <a:ea typeface="Arial Narrow" charset="0"/>
+                      <a:cs typeface="Arial Narrow" charset="0"/>
+                    </a:rPr>
+                    <a:t>Container1</a:t>
+                  </a:r>
+                  <a:endParaRPr kumimoji="1" lang="ja-JP" altLang="en-US" sz="1800" dirty="0">
+                    <a:solidFill>
+                      <a:schemeClr val="tx1"/>
+                    </a:solidFill>
+                    <a:latin typeface="Arial Narrow" charset="0"/>
+                    <a:ea typeface="Arial Narrow" charset="0"/>
+                    <a:cs typeface="Arial Narrow" charset="0"/>
+                  </a:endParaRPr>
+                </a:p>
+              </p:txBody>
+            </p:sp>
+            <p:sp>
+              <p:nvSpPr>
+                <p:cNvPr id="233" name="角丸四角形 232"/>
+                <p:cNvSpPr/>
+                <p:nvPr/>
+              </p:nvSpPr>
+              <p:spPr>
+                <a:xfrm>
+                  <a:off x="707529" y="5791605"/>
+                  <a:ext cx="1043400" cy="288000"/>
+                </a:xfrm>
+                <a:prstGeom prst="roundRect">
+                  <a:avLst/>
+                </a:prstGeom>
+                <a:ln w="9525">
+                  <a:solidFill>
+                    <a:schemeClr val="tx1"/>
+                  </a:solidFill>
+                </a:ln>
+              </p:spPr>
+              <p:style>
+                <a:lnRef idx="2">
+                  <a:schemeClr val="accent1">
+                    <a:shade val="50000"/>
+                  </a:schemeClr>
+                </a:lnRef>
+                <a:fillRef idx="1">
+                  <a:schemeClr val="accent1"/>
+                </a:fillRef>
+                <a:effectRef idx="0">
+                  <a:schemeClr val="accent1"/>
+                </a:effectRef>
+                <a:fontRef idx="minor">
+                  <a:schemeClr val="lt1"/>
+                </a:fontRef>
+              </p:style>
+              <p:txBody>
+                <a:bodyPr lIns="0" rIns="0" rtlCol="0" anchor="ctr"/>
+                <a:lstStyle/>
+                <a:p>
+                  <a:pPr algn="ctr"/>
+                  <a:r>
+                    <a:rPr kumimoji="1" lang="en-US" altLang="ja-JP" sz="1800" smtClean="0">
+                      <a:solidFill>
+                        <a:schemeClr val="tx1"/>
+                      </a:solidFill>
+                      <a:latin typeface="Arial Narrow" charset="0"/>
+                      <a:ea typeface="Arial Narrow" charset="0"/>
+                      <a:cs typeface="Arial Narrow" charset="0"/>
+                    </a:rPr>
+                    <a:t>Container2</a:t>
+                  </a:r>
+                  <a:endParaRPr kumimoji="1" lang="ja-JP" altLang="en-US" sz="1800" dirty="0">
+                    <a:solidFill>
+                      <a:schemeClr val="tx1"/>
+                    </a:solidFill>
+                    <a:latin typeface="Arial Narrow" charset="0"/>
+                    <a:ea typeface="Arial Narrow" charset="0"/>
+                    <a:cs typeface="Arial Narrow" charset="0"/>
+                  </a:endParaRPr>
+                </a:p>
+              </p:txBody>
+            </p:sp>
+          </p:grpSp>
+          <p:grpSp>
+            <p:nvGrpSpPr>
+              <p:cNvPr id="225" name="図形グループ 224"/>
+              <p:cNvGrpSpPr/>
+              <p:nvPr/>
+            </p:nvGrpSpPr>
+            <p:grpSpPr>
+              <a:xfrm>
+                <a:off x="1860916" y="5132700"/>
+                <a:ext cx="1124917" cy="1089399"/>
+                <a:chOff x="666356" y="5128223"/>
+                <a:chExt cx="1124917" cy="1089399"/>
+              </a:xfrm>
+            </p:grpSpPr>
+            <p:sp>
+              <p:nvSpPr>
+                <p:cNvPr id="226" name="角丸四角形 225"/>
+                <p:cNvSpPr/>
+                <p:nvPr/>
+              </p:nvSpPr>
+              <p:spPr>
+                <a:xfrm>
+                  <a:off x="668781" y="5128223"/>
+                  <a:ext cx="1122492" cy="1089399"/>
+                </a:xfrm>
+                <a:prstGeom prst="roundRect">
+                  <a:avLst/>
+                </a:prstGeom>
+                <a:solidFill>
+                  <a:schemeClr val="accent1"/>
+                </a:solidFill>
+                <a:ln w="12700">
+                  <a:solidFill>
+                    <a:schemeClr val="tx1"/>
+                  </a:solidFill>
+                </a:ln>
+              </p:spPr>
+              <p:style>
+                <a:lnRef idx="2">
+                  <a:schemeClr val="accent1">
+                    <a:shade val="50000"/>
+                  </a:schemeClr>
+                </a:lnRef>
+                <a:fillRef idx="1">
+                  <a:schemeClr val="accent1"/>
+                </a:fillRef>
+                <a:effectRef idx="0">
+                  <a:schemeClr val="accent1"/>
+                </a:effectRef>
+                <a:fontRef idx="minor">
+                  <a:schemeClr val="lt1"/>
+                </a:fontRef>
+              </p:style>
+              <p:txBody>
+                <a:bodyPr rtlCol="0" anchor="ctr"/>
+                <a:lstStyle/>
+                <a:p>
+                  <a:pPr algn="ctr"/>
+                  <a:endParaRPr kumimoji="1" lang="ja-JP" altLang="en-US" sz="1800"/>
+                </a:p>
+              </p:txBody>
+            </p:sp>
+            <p:sp>
+              <p:nvSpPr>
+                <p:cNvPr id="227" name="テキスト ボックス 226"/>
+                <p:cNvSpPr txBox="1"/>
+                <p:nvPr/>
+              </p:nvSpPr>
+              <p:spPr>
+                <a:xfrm>
+                  <a:off x="666356" y="5128224"/>
+                  <a:ext cx="626770" cy="369332"/>
+                </a:xfrm>
+                <a:prstGeom prst="rect">
+                  <a:avLst/>
+                </a:prstGeom>
+                <a:noFill/>
+                <a:ln>
+                  <a:noFill/>
+                </a:ln>
+              </p:spPr>
+              <p:txBody>
+                <a:bodyPr wrap="square" rtlCol="0">
+                  <a:spAutoFit/>
+                </a:bodyPr>
+                <a:lstStyle/>
+                <a:p>
+                  <a:r>
+                    <a:rPr kumimoji="1" lang="en-US" altLang="ja-JP" sz="1800" dirty="0" smtClean="0">
+                      <a:latin typeface="Arial Narrow" charset="0"/>
+                      <a:ea typeface="Arial Narrow" charset="0"/>
+                      <a:cs typeface="Arial Narrow" charset="0"/>
+                    </a:rPr>
+                    <a:t>Pod2</a:t>
+                  </a:r>
+                  <a:endParaRPr kumimoji="1" lang="ja-JP" altLang="en-US" sz="1800" dirty="0">
+                    <a:latin typeface="Arial Narrow" charset="0"/>
+                    <a:ea typeface="Arial Narrow" charset="0"/>
+                    <a:cs typeface="Arial Narrow" charset="0"/>
+                  </a:endParaRPr>
+                </a:p>
+              </p:txBody>
+            </p:sp>
+            <p:sp>
+              <p:nvSpPr>
+                <p:cNvPr id="228" name="角丸四角形 227"/>
+                <p:cNvSpPr/>
+                <p:nvPr/>
+              </p:nvSpPr>
+              <p:spPr>
+                <a:xfrm>
+                  <a:off x="707529" y="5449903"/>
+                  <a:ext cx="1043400" cy="288000"/>
+                </a:xfrm>
+                <a:prstGeom prst="roundRect">
+                  <a:avLst/>
+                </a:prstGeom>
+                <a:ln w="9525">
+                  <a:solidFill>
+                    <a:schemeClr val="tx1"/>
+                  </a:solidFill>
+                </a:ln>
+              </p:spPr>
+              <p:style>
+                <a:lnRef idx="2">
+                  <a:schemeClr val="accent1">
+                    <a:shade val="50000"/>
+                  </a:schemeClr>
+                </a:lnRef>
+                <a:fillRef idx="1">
+                  <a:schemeClr val="accent1"/>
+                </a:fillRef>
+                <a:effectRef idx="0">
+                  <a:schemeClr val="accent1"/>
+                </a:effectRef>
+                <a:fontRef idx="minor">
+                  <a:schemeClr val="lt1"/>
+                </a:fontRef>
+              </p:style>
+              <p:txBody>
+                <a:bodyPr lIns="0" rIns="0" rtlCol="0" anchor="ctr"/>
+                <a:lstStyle/>
+                <a:p>
+                  <a:pPr algn="ctr"/>
+                  <a:r>
+                    <a:rPr kumimoji="1" lang="en-US" altLang="ja-JP" sz="1800" dirty="0" smtClean="0">
+                      <a:solidFill>
+                        <a:schemeClr val="tx1"/>
+                      </a:solidFill>
+                      <a:latin typeface="Arial Narrow" charset="0"/>
+                      <a:ea typeface="Arial Narrow" charset="0"/>
+                      <a:cs typeface="Arial Narrow" charset="0"/>
+                    </a:rPr>
+                    <a:t>Container1</a:t>
+                  </a:r>
+                  <a:endParaRPr kumimoji="1" lang="ja-JP" altLang="en-US" sz="1800" dirty="0">
+                    <a:solidFill>
+                      <a:schemeClr val="tx1"/>
+                    </a:solidFill>
+                    <a:latin typeface="Arial Narrow" charset="0"/>
+                    <a:ea typeface="Arial Narrow" charset="0"/>
+                    <a:cs typeface="Arial Narrow" charset="0"/>
+                  </a:endParaRPr>
+                </a:p>
+              </p:txBody>
+            </p:sp>
+            <p:sp>
+              <p:nvSpPr>
+                <p:cNvPr id="229" name="角丸四角形 228"/>
+                <p:cNvSpPr/>
+                <p:nvPr/>
+              </p:nvSpPr>
+              <p:spPr>
+                <a:xfrm>
+                  <a:off x="707529" y="5791605"/>
+                  <a:ext cx="1043400" cy="288000"/>
+                </a:xfrm>
+                <a:prstGeom prst="roundRect">
+                  <a:avLst/>
+                </a:prstGeom>
+                <a:ln w="9525">
+                  <a:solidFill>
+                    <a:schemeClr val="tx1"/>
+                  </a:solidFill>
+                </a:ln>
+              </p:spPr>
+              <p:style>
+                <a:lnRef idx="2">
+                  <a:schemeClr val="accent1">
+                    <a:shade val="50000"/>
+                  </a:schemeClr>
+                </a:lnRef>
+                <a:fillRef idx="1">
+                  <a:schemeClr val="accent1"/>
+                </a:fillRef>
+                <a:effectRef idx="0">
+                  <a:schemeClr val="accent1"/>
+                </a:effectRef>
+                <a:fontRef idx="minor">
+                  <a:schemeClr val="lt1"/>
+                </a:fontRef>
+              </p:style>
+              <p:txBody>
+                <a:bodyPr lIns="0" rIns="0" rtlCol="0" anchor="ctr"/>
+                <a:lstStyle/>
+                <a:p>
+                  <a:pPr algn="ctr"/>
+                  <a:r>
+                    <a:rPr kumimoji="1" lang="en-US" altLang="ja-JP" sz="1800" smtClean="0">
+                      <a:solidFill>
+                        <a:schemeClr val="tx1"/>
+                      </a:solidFill>
+                      <a:latin typeface="Arial Narrow" charset="0"/>
+                      <a:ea typeface="Arial Narrow" charset="0"/>
+                      <a:cs typeface="Arial Narrow" charset="0"/>
+                    </a:rPr>
+                    <a:t>Container2</a:t>
+                  </a:r>
+                  <a:endParaRPr kumimoji="1" lang="ja-JP" altLang="en-US" sz="1800" dirty="0">
+                    <a:solidFill>
+                      <a:schemeClr val="tx1"/>
+                    </a:solidFill>
+                    <a:latin typeface="Arial Narrow" charset="0"/>
+                    <a:ea typeface="Arial Narrow" charset="0"/>
+                    <a:cs typeface="Arial Narrow" charset="0"/>
+                  </a:endParaRPr>
+                </a:p>
+              </p:txBody>
+            </p:sp>
+          </p:grpSp>
+        </p:grpSp>
+      </p:grpSp>
+      <p:cxnSp>
+        <p:nvCxnSpPr>
+          <p:cNvPr id="68" name="曲線コネクタ 67"/>
+          <p:cNvCxnSpPr>
+            <a:stCxn id="23" idx="2"/>
+            <a:endCxn id="5" idx="0"/>
+          </p:cNvCxnSpPr>
+          <p:nvPr/>
+        </p:nvCxnSpPr>
+        <p:spPr>
+          <a:xfrm rot="5400000">
+            <a:off x="1577126" y="3855738"/>
+            <a:ext cx="125286" cy="997284"/>
+          </a:xfrm>
+          <a:prstGeom prst="curvedConnector3">
+            <a:avLst>
+              <a:gd name="adj1" fmla="val 50000"/>
+            </a:avLst>
+          </a:prstGeom>
+          <a:ln w="6350">
+            <a:solidFill>
+              <a:srgbClr val="111CFE"/>
+            </a:solidFill>
+            <a:tailEnd type="triangle"/>
+          </a:ln>
+        </p:spPr>
+        <p:style>
+          <a:lnRef idx="1">
+            <a:schemeClr val="accent1"/>
+          </a:lnRef>
+          <a:fillRef idx="0">
+            <a:schemeClr val="accent1"/>
+          </a:fillRef>
+          <a:effectRef idx="0">
+            <a:schemeClr val="accent1"/>
+          </a:effectRef>
+          <a:fontRef idx="minor">
+            <a:schemeClr val="tx1"/>
+          </a:fontRef>
+        </p:style>
+      </p:cxnSp>
+      <p:cxnSp>
+        <p:nvCxnSpPr>
+          <p:cNvPr id="71" name="曲線コネクタ 70"/>
+          <p:cNvCxnSpPr>
+            <a:stCxn id="23" idx="2"/>
+            <a:endCxn id="180" idx="0"/>
+          </p:cNvCxnSpPr>
+          <p:nvPr/>
+        </p:nvCxnSpPr>
+        <p:spPr>
+          <a:xfrm rot="16200000" flipH="1">
+            <a:off x="2172168" y="4257980"/>
+            <a:ext cx="129763" cy="197276"/>
+          </a:xfrm>
+          <a:prstGeom prst="curvedConnector3">
+            <a:avLst>
+              <a:gd name="adj1" fmla="val 50000"/>
+            </a:avLst>
+          </a:prstGeom>
+          <a:ln w="6350">
+            <a:solidFill>
+              <a:srgbClr val="111CFE"/>
+            </a:solidFill>
+            <a:tailEnd type="triangle"/>
+          </a:ln>
+        </p:spPr>
+        <p:style>
+          <a:lnRef idx="1">
+            <a:schemeClr val="accent1"/>
+          </a:lnRef>
+          <a:fillRef idx="0">
+            <a:schemeClr val="accent1"/>
+          </a:fillRef>
+          <a:effectRef idx="0">
+            <a:schemeClr val="accent1"/>
+          </a:effectRef>
+          <a:fontRef idx="minor">
+            <a:schemeClr val="tx1"/>
+          </a:fontRef>
+        </p:style>
+      </p:cxnSp>
+      <p:cxnSp>
+        <p:nvCxnSpPr>
+          <p:cNvPr id="75" name="曲線コネクタ 74"/>
+          <p:cNvCxnSpPr>
+            <a:stCxn id="23" idx="2"/>
+            <a:endCxn id="215" idx="0"/>
+          </p:cNvCxnSpPr>
+          <p:nvPr/>
+        </p:nvCxnSpPr>
+        <p:spPr>
+          <a:xfrm rot="16200000" flipH="1">
+            <a:off x="2890859" y="3539289"/>
+            <a:ext cx="127211" cy="1632106"/>
+          </a:xfrm>
+          <a:prstGeom prst="curvedConnector3">
+            <a:avLst>
+              <a:gd name="adj1" fmla="val 50000"/>
+            </a:avLst>
+          </a:prstGeom>
+          <a:ln w="6350">
+            <a:solidFill>
+              <a:srgbClr val="111CFE"/>
+            </a:solidFill>
+            <a:tailEnd type="triangle"/>
+          </a:ln>
+        </p:spPr>
+        <p:style>
+          <a:lnRef idx="1">
+            <a:schemeClr val="accent1"/>
+          </a:lnRef>
+          <a:fillRef idx="0">
+            <a:schemeClr val="accent1"/>
+          </a:fillRef>
+          <a:effectRef idx="0">
+            <a:schemeClr val="accent1"/>
+          </a:effectRef>
+          <a:fontRef idx="minor">
+            <a:schemeClr val="tx1"/>
+          </a:fontRef>
+        </p:style>
+      </p:cxnSp>
+      <p:cxnSp>
+        <p:nvCxnSpPr>
+          <p:cNvPr id="77" name="曲線コネクタ 76"/>
+          <p:cNvCxnSpPr>
+            <a:stCxn id="23" idx="2"/>
+            <a:endCxn id="211" idx="0"/>
+          </p:cNvCxnSpPr>
+          <p:nvPr/>
+        </p:nvCxnSpPr>
+        <p:spPr>
+          <a:xfrm rot="16200000" flipH="1">
+            <a:off x="3485900" y="2944248"/>
+            <a:ext cx="131688" cy="2826666"/>
+          </a:xfrm>
+          <a:prstGeom prst="curvedConnector3">
+            <a:avLst>
+              <a:gd name="adj1" fmla="val 50000"/>
+            </a:avLst>
+          </a:prstGeom>
+          <a:ln w="6350">
+            <a:solidFill>
+              <a:srgbClr val="111CFE"/>
+            </a:solidFill>
+            <a:tailEnd type="triangle"/>
+          </a:ln>
+        </p:spPr>
+        <p:style>
+          <a:lnRef idx="1">
+            <a:schemeClr val="accent1"/>
+          </a:lnRef>
+          <a:fillRef idx="0">
+            <a:schemeClr val="accent1"/>
+          </a:fillRef>
+          <a:effectRef idx="0">
+            <a:schemeClr val="accent1"/>
+          </a:effectRef>
+          <a:fontRef idx="minor">
+            <a:schemeClr val="tx1"/>
+          </a:fontRef>
+        </p:style>
+      </p:cxnSp>
+      <p:cxnSp>
+        <p:nvCxnSpPr>
+          <p:cNvPr id="80" name="曲線コネクタ 79"/>
+          <p:cNvCxnSpPr>
+            <a:stCxn id="23" idx="2"/>
+            <a:endCxn id="230" idx="0"/>
+          </p:cNvCxnSpPr>
+          <p:nvPr/>
+        </p:nvCxnSpPr>
+        <p:spPr>
+          <a:xfrm rot="16200000" flipH="1">
+            <a:off x="4350910" y="2079237"/>
+            <a:ext cx="125286" cy="4550285"/>
+          </a:xfrm>
+          <a:prstGeom prst="curvedConnector3">
+            <a:avLst>
+              <a:gd name="adj1" fmla="val 50000"/>
+            </a:avLst>
+          </a:prstGeom>
+          <a:ln w="6350">
+            <a:solidFill>
+              <a:srgbClr val="111CFE"/>
+            </a:solidFill>
+            <a:tailEnd type="triangle"/>
+          </a:ln>
+        </p:spPr>
+        <p:style>
+          <a:lnRef idx="1">
+            <a:schemeClr val="accent1"/>
+          </a:lnRef>
+          <a:fillRef idx="0">
+            <a:schemeClr val="accent1"/>
+          </a:fillRef>
+          <a:effectRef idx="0">
+            <a:schemeClr val="accent1"/>
+          </a:effectRef>
+          <a:fontRef idx="minor">
+            <a:schemeClr val="tx1"/>
+          </a:fontRef>
+        </p:style>
+      </p:cxnSp>
+      <p:cxnSp>
+        <p:nvCxnSpPr>
+          <p:cNvPr id="83" name="曲線コネクタ 82"/>
+          <p:cNvCxnSpPr>
+            <a:stCxn id="23" idx="2"/>
+            <a:endCxn id="226" idx="0"/>
+          </p:cNvCxnSpPr>
+          <p:nvPr/>
+        </p:nvCxnSpPr>
+        <p:spPr>
+          <a:xfrm rot="16200000" flipH="1">
+            <a:off x="4945952" y="1484195"/>
+            <a:ext cx="129763" cy="5744845"/>
+          </a:xfrm>
+          <a:prstGeom prst="curvedConnector3">
+            <a:avLst>
+              <a:gd name="adj1" fmla="val 50000"/>
+            </a:avLst>
+          </a:prstGeom>
+          <a:ln w="6350">
+            <a:solidFill>
+              <a:srgbClr val="111CFE"/>
+            </a:solidFill>
+            <a:tailEnd type="triangle"/>
+          </a:ln>
+        </p:spPr>
+        <p:style>
+          <a:lnRef idx="1">
+            <a:schemeClr val="accent1"/>
+          </a:lnRef>
+          <a:fillRef idx="0">
+            <a:schemeClr val="accent1"/>
+          </a:fillRef>
+          <a:effectRef idx="0">
+            <a:schemeClr val="accent1"/>
+          </a:effectRef>
+          <a:fontRef idx="minor">
+            <a:schemeClr val="tx1"/>
+          </a:fontRef>
+        </p:style>
+      </p:cxnSp>
+    </p:spTree>
+    <p:extLst>
+      <p:ext uri="{BB962C8B-B14F-4D97-AF65-F5344CB8AC3E}">
+        <p14:creationId xmlns:p14="http://schemas.microsoft.com/office/powerpoint/2010/main" val="62831055"/>
+      </p:ext>
+    </p:extLst>
+  </p:cSld>
+  <p:clrMapOvr>
+    <a:masterClrMapping/>
+  </p:clrMapOvr>
+  <p:timing>
+    <p:tnLst>
+      <p:par>
+        <p:cTn id="1" dur="indefinite" restart="never" nodeType="tmRoot"/>
+      </p:par>
+    </p:tnLst>
+  </p:timing>
+</p:sld>
+</file>
+
+<file path=ppt/slides/slide3.xml><?xml version="1.0" encoding="utf-8"?>
 <p:sld xmlns:a="http://schemas.openxmlformats.org/drawingml/2006/main" xmlns:r="http://schemas.openxmlformats.org/officeDocument/2006/relationships" xmlns:p="http://schemas.openxmlformats.org/presentationml/2006/main">
   <p:cSld>
     <p:spTree>
@@ -10716,7 +14210,7 @@
 </p:sld>
 </file>
 
-<file path=ppt/slides/slide3.xml><?xml version="1.0" encoding="utf-8"?>
+<file path=ppt/slides/slide4.xml><?xml version="1.0" encoding="utf-8"?>
 <p:sld xmlns:a="http://schemas.openxmlformats.org/drawingml/2006/main" xmlns:r="http://schemas.openxmlformats.org/officeDocument/2006/relationships" xmlns:p="http://schemas.openxmlformats.org/presentationml/2006/main">
   <p:cSld>
     <p:spTree>
@@ -12686,7 +16180,7 @@
 </p:sld>
 </file>
 
-<file path=ppt/slides/slide4.xml><?xml version="1.0" encoding="utf-8"?>
+<file path=ppt/slides/slide5.xml><?xml version="1.0" encoding="utf-8"?>
 <p:sld xmlns:a="http://schemas.openxmlformats.org/drawingml/2006/main" xmlns:r="http://schemas.openxmlformats.org/officeDocument/2006/relationships" xmlns:p="http://schemas.openxmlformats.org/presentationml/2006/main">
   <p:cSld>
     <p:spTree>
@@ -14281,7 +17775,7 @@
 </p:sld>
 </file>
 
-<file path=ppt/slides/slide5.xml><?xml version="1.0" encoding="utf-8"?>
+<file path=ppt/slides/slide6.xml><?xml version="1.0" encoding="utf-8"?>
 <p:sld xmlns:a="http://schemas.openxmlformats.org/drawingml/2006/main" xmlns:r="http://schemas.openxmlformats.org/officeDocument/2006/relationships" xmlns:p="http://schemas.openxmlformats.org/presentationml/2006/main">
   <p:cSld>
     <p:spTree>
@@ -18241,7 +21735,7 @@
 </p:sld>
 </file>
 
-<file path=ppt/slides/slide6.xml><?xml version="1.0" encoding="utf-8"?>
+<file path=ppt/slides/slide7.xml><?xml version="1.0" encoding="utf-8"?>
 <p:sld xmlns:a="http://schemas.openxmlformats.org/drawingml/2006/main" xmlns:r="http://schemas.openxmlformats.org/officeDocument/2006/relationships" xmlns:p="http://schemas.openxmlformats.org/presentationml/2006/main">
   <p:cSld>
     <p:spTree>
@@ -20539,7 +24033,7 @@
 </p:sld>
 </file>
 
-<file path=ppt/slides/slide7.xml><?xml version="1.0" encoding="utf-8"?>
+<file path=ppt/slides/slide8.xml><?xml version="1.0" encoding="utf-8"?>
 <p:sld xmlns:a="http://schemas.openxmlformats.org/drawingml/2006/main" xmlns:r="http://schemas.openxmlformats.org/officeDocument/2006/relationships" xmlns:p="http://schemas.openxmlformats.org/presentationml/2006/main">
   <p:cSld>
     <p:spTree>
